--- a/API Management.pptx
+++ b/API Management.pptx
@@ -6,27 +6,25 @@
     <p:sldMasterId id="2147484642" r:id="rId5"/>
   </p:sldMasterIdLst>
   <p:notesMasterIdLst>
-    <p:notesMasterId r:id="rId21"/>
+    <p:notesMasterId r:id="rId19"/>
   </p:notesMasterIdLst>
   <p:handoutMasterIdLst>
-    <p:handoutMasterId r:id="rId22"/>
+    <p:handoutMasterId r:id="rId20"/>
   </p:handoutMasterIdLst>
   <p:sldIdLst>
-    <p:sldId id="1843" r:id="rId6"/>
+    <p:sldId id="1870" r:id="rId6"/>
     <p:sldId id="1660" r:id="rId7"/>
     <p:sldId id="1548" r:id="rId8"/>
     <p:sldId id="1856" r:id="rId9"/>
-    <p:sldId id="1867" r:id="rId10"/>
-    <p:sldId id="1857" r:id="rId11"/>
+    <p:sldId id="1857" r:id="rId10"/>
+    <p:sldId id="1869" r:id="rId11"/>
     <p:sldId id="1860" r:id="rId12"/>
     <p:sldId id="1861" r:id="rId13"/>
     <p:sldId id="1866" r:id="rId14"/>
     <p:sldId id="1858" r:id="rId15"/>
     <p:sldId id="1868" r:id="rId16"/>
-    <p:sldId id="1865" r:id="rId17"/>
-    <p:sldId id="1527" r:id="rId18"/>
-    <p:sldId id="1862" r:id="rId19"/>
-    <p:sldId id="1863" r:id="rId20"/>
+    <p:sldId id="1527" r:id="rId17"/>
+    <p:sldId id="1863" r:id="rId18"/>
   </p:sldIdLst>
   <p:sldSz cx="12192000" cy="6858000"/>
   <p:notesSz cx="6858000" cy="9144000"/>
@@ -128,22 +126,20 @@
   <p:extLst>
     <p:ext uri="{521415D9-36F7-43E2-AB2F-B90AF26B5E84}">
       <p14:sectionLst xmlns:p14="http://schemas.microsoft.com/office/powerpoint/2010/main">
-        <p14:section name="Brand Template" id="{E9D1FD4D-DAAF-4829-BBBC-AD8AC9ACFE8A}">
+        <p14:section name="API Management" id="{E9D1FD4D-DAAF-4829-BBBC-AD8AC9ACFE8A}">
           <p14:sldIdLst>
-            <p14:sldId id="1843"/>
+            <p14:sldId id="1870"/>
             <p14:sldId id="1660"/>
             <p14:sldId id="1548"/>
             <p14:sldId id="1856"/>
-            <p14:sldId id="1867"/>
             <p14:sldId id="1857"/>
+            <p14:sldId id="1869"/>
             <p14:sldId id="1860"/>
             <p14:sldId id="1861"/>
             <p14:sldId id="1866"/>
             <p14:sldId id="1858"/>
             <p14:sldId id="1868"/>
-            <p14:sldId id="1865"/>
             <p14:sldId id="1527"/>
-            <p14:sldId id="1862"/>
             <p14:sldId id="1863"/>
           </p14:sldIdLst>
         </p14:section>
@@ -194,7 +190,7 @@
 <file path=ppt/revisionInfo.xml><?xml version="1.0" encoding="utf-8"?>
 <p1510:revInfo xmlns:a="http://schemas.openxmlformats.org/drawingml/2006/main" xmlns:r="http://schemas.openxmlformats.org/officeDocument/2006/relationships" xmlns:p1510="http://schemas.microsoft.com/office/powerpoint/2015/10/main">
   <p1510:revLst>
-    <p1510:client id="{F90A9DD7-CCB8-45BD-A5D6-5F8ECC1CFE55}" v="196" dt="2018-12-17T08:47:15.005"/>
+    <p1510:client id="{F90A9DD7-CCB8-45BD-A5D6-5F8ECC1CFE55}" v="223" dt="2019-01-08T11:51:58.501"/>
   </p1510:revLst>
 </p1510:revInfo>
 </file>
@@ -204,7 +200,7 @@
   <pc:docChgLst>
     <pc:chgData name="Raphael Bickel" userId="10e84020-2c14-449d-9e08-8279747f04a9" providerId="ADAL" clId="{F90A9DD7-CCB8-45BD-A5D6-5F8ECC1CFE55}"/>
     <pc:docChg chg="undo custSel mod addSld delSld modSld sldOrd delSection modSection">
-      <pc:chgData name="Raphael Bickel" userId="10e84020-2c14-449d-9e08-8279747f04a9" providerId="ADAL" clId="{F90A9DD7-CCB8-45BD-A5D6-5F8ECC1CFE55}" dt="2018-12-17T08:48:48.642" v="1619" actId="20577"/>
+      <pc:chgData name="Raphael Bickel" userId="10e84020-2c14-449d-9e08-8279747f04a9" providerId="ADAL" clId="{F90A9DD7-CCB8-45BD-A5D6-5F8ECC1CFE55}" dt="2019-01-08T11:52:01.478" v="1876" actId="20577"/>
       <pc:docMkLst>
         <pc:docMk/>
       </pc:docMkLst>
@@ -523,8 +519,8 @@
           <pc:sldMk cId="2605536240" sldId="1842"/>
         </pc:sldMkLst>
       </pc:sldChg>
-      <pc:sldChg chg="addSp modSp">
-        <pc:chgData name="Raphael Bickel" userId="10e84020-2c14-449d-9e08-8279747f04a9" providerId="ADAL" clId="{F90A9DD7-CCB8-45BD-A5D6-5F8ECC1CFE55}" dt="2018-12-14T15:37:23.544" v="1450" actId="14100"/>
+      <pc:sldChg chg="addSp modSp del">
+        <pc:chgData name="Raphael Bickel" userId="10e84020-2c14-449d-9e08-8279747f04a9" providerId="ADAL" clId="{F90A9DD7-CCB8-45BD-A5D6-5F8ECC1CFE55}" dt="2019-01-08T08:54:27.470" v="1835" actId="2696"/>
         <pc:sldMkLst>
           <pc:docMk/>
           <pc:sldMk cId="2799774971" sldId="1843"/>
@@ -783,8 +779,8 @@
           </ac:grpSpMkLst>
         </pc:grpChg>
       </pc:sldChg>
-      <pc:sldChg chg="addSp delSp modSp add">
-        <pc:chgData name="Raphael Bickel" userId="10e84020-2c14-449d-9e08-8279747f04a9" providerId="ADAL" clId="{F90A9DD7-CCB8-45BD-A5D6-5F8ECC1CFE55}" dt="2018-12-13T07:57:47.620" v="1285"/>
+      <pc:sldChg chg="addSp delSp modSp add ord">
+        <pc:chgData name="Raphael Bickel" userId="10e84020-2c14-449d-9e08-8279747f04a9" providerId="ADAL" clId="{F90A9DD7-CCB8-45BD-A5D6-5F8ECC1CFE55}" dt="2019-01-07T13:16:13.319" v="1627"/>
         <pc:sldMkLst>
           <pc:docMk/>
           <pc:sldMk cId="2056164366" sldId="1857"/>
@@ -829,6 +825,14 @@
             <ac:picMk id="2" creationId="{A2D623AC-7236-4594-BA92-032D9FB4E8CB}"/>
           </ac:picMkLst>
         </pc:picChg>
+        <pc:picChg chg="add">
+          <ac:chgData name="Raphael Bickel" userId="10e84020-2c14-449d-9e08-8279747f04a9" providerId="ADAL" clId="{F90A9DD7-CCB8-45BD-A5D6-5F8ECC1CFE55}" dt="2019-01-07T13:14:02.953" v="1625"/>
+          <ac:picMkLst>
+            <pc:docMk/>
+            <pc:sldMk cId="2056164366" sldId="1857"/>
+            <ac:picMk id="2" creationId="{E45C5C06-41C1-4432-AA22-38E0858FDD3B}"/>
+          </ac:picMkLst>
+        </pc:picChg>
         <pc:picChg chg="add del mod">
           <ac:chgData name="Raphael Bickel" userId="10e84020-2c14-449d-9e08-8279747f04a9" providerId="ADAL" clId="{F90A9DD7-CCB8-45BD-A5D6-5F8ECC1CFE55}" dt="2018-12-10T12:23:33.175" v="654" actId="478"/>
           <ac:picMkLst>
@@ -859,6 +863,14 @@
             <pc:docMk/>
             <pc:sldMk cId="2056164366" sldId="1857"/>
             <ac:picMk id="7" creationId="{0B787BDA-BCBF-4935-AB95-C3A512DB1B1B}"/>
+          </ac:picMkLst>
+        </pc:picChg>
+        <pc:picChg chg="add">
+          <ac:chgData name="Raphael Bickel" userId="10e84020-2c14-449d-9e08-8279747f04a9" providerId="ADAL" clId="{F90A9DD7-CCB8-45BD-A5D6-5F8ECC1CFE55}" dt="2019-01-07T13:16:13.319" v="1627"/>
+          <ac:picMkLst>
+            <pc:docMk/>
+            <pc:sldMk cId="2056164366" sldId="1857"/>
+            <ac:picMk id="7" creationId="{65126CFC-56B4-44D4-883A-0220092CD697}"/>
           </ac:picMkLst>
         </pc:picChg>
         <pc:picChg chg="add">
@@ -1116,7 +1128,7 @@
         </pc:picChg>
       </pc:sldChg>
       <pc:sldChg chg="addSp delSp modSp add ord">
-        <pc:chgData name="Raphael Bickel" userId="10e84020-2c14-449d-9e08-8279747f04a9" providerId="ADAL" clId="{F90A9DD7-CCB8-45BD-A5D6-5F8ECC1CFE55}" dt="2018-12-17T08:48:48.642" v="1619" actId="20577"/>
+        <pc:chgData name="Raphael Bickel" userId="10e84020-2c14-449d-9e08-8279747f04a9" providerId="ADAL" clId="{F90A9DD7-CCB8-45BD-A5D6-5F8ECC1CFE55}" dt="2019-01-07T15:35:51.685" v="1642" actId="20577"/>
         <pc:sldMkLst>
           <pc:docMk/>
           <pc:sldMk cId="3865606817" sldId="1860"/>
@@ -1130,7 +1142,7 @@
           </ac:spMkLst>
         </pc:spChg>
         <pc:spChg chg="mod">
-          <ac:chgData name="Raphael Bickel" userId="10e84020-2c14-449d-9e08-8279747f04a9" providerId="ADAL" clId="{F90A9DD7-CCB8-45BD-A5D6-5F8ECC1CFE55}" dt="2018-12-12T13:41:48.051" v="1273"/>
+          <ac:chgData name="Raphael Bickel" userId="10e84020-2c14-449d-9e08-8279747f04a9" providerId="ADAL" clId="{F90A9DD7-CCB8-45BD-A5D6-5F8ECC1CFE55}" dt="2019-01-07T15:35:51.685" v="1642" actId="20577"/>
           <ac:spMkLst>
             <pc:docMk/>
             <pc:sldMk cId="3865606817" sldId="1860"/>
@@ -1329,7 +1341,7 @@
         </pc:picChg>
       </pc:sldChg>
       <pc:sldChg chg="addSp delSp modSp add">
-        <pc:chgData name="Raphael Bickel" userId="10e84020-2c14-449d-9e08-8279747f04a9" providerId="ADAL" clId="{F90A9DD7-CCB8-45BD-A5D6-5F8ECC1CFE55}" dt="2018-12-13T08:01:00.154" v="1291"/>
+        <pc:chgData name="Raphael Bickel" userId="10e84020-2c14-449d-9e08-8279747f04a9" providerId="ADAL" clId="{F90A9DD7-CCB8-45BD-A5D6-5F8ECC1CFE55}" dt="2019-01-07T07:35:30.639" v="1621"/>
         <pc:sldMkLst>
           <pc:docMk/>
           <pc:sldMk cId="2874943266" sldId="1863"/>
@@ -1372,6 +1384,14 @@
             <pc:docMk/>
             <pc:sldMk cId="2874943266" sldId="1863"/>
             <ac:spMk id="7" creationId="{915A9B0C-BCA9-4826-8396-3DA8AB6D8E21}"/>
+          </ac:spMkLst>
+        </pc:spChg>
+        <pc:spChg chg="add">
+          <ac:chgData name="Raphael Bickel" userId="10e84020-2c14-449d-9e08-8279747f04a9" providerId="ADAL" clId="{F90A9DD7-CCB8-45BD-A5D6-5F8ECC1CFE55}" dt="2019-01-07T07:35:30.639" v="1621"/>
+          <ac:spMkLst>
+            <pc:docMk/>
+            <pc:sldMk cId="2874943266" sldId="1863"/>
+            <ac:spMk id="8" creationId="{8E28D85B-F2B7-4EB3-8AC7-F595A43167D1}"/>
           </ac:spMkLst>
         </pc:spChg>
         <pc:picChg chg="add mod">
@@ -1509,12 +1529,44 @@
           </ac:spMkLst>
         </pc:spChg>
       </pc:sldChg>
-      <pc:sldChg chg="add">
-        <pc:chgData name="Raphael Bickel" userId="10e84020-2c14-449d-9e08-8279747f04a9" providerId="ADAL" clId="{F90A9DD7-CCB8-45BD-A5D6-5F8ECC1CFE55}" dt="2018-12-12T15:06:57.846" v="1280"/>
+      <pc:sldChg chg="addSp delSp modSp add">
+        <pc:chgData name="Raphael Bickel" userId="10e84020-2c14-449d-9e08-8279747f04a9" providerId="ADAL" clId="{F90A9DD7-CCB8-45BD-A5D6-5F8ECC1CFE55}" dt="2019-01-08T11:52:01.478" v="1876" actId="20577"/>
         <pc:sldMkLst>
           <pc:docMk/>
           <pc:sldMk cId="1695914209" sldId="1866"/>
         </pc:sldMkLst>
+        <pc:spChg chg="mod">
+          <ac:chgData name="Raphael Bickel" userId="10e84020-2c14-449d-9e08-8279747f04a9" providerId="ADAL" clId="{F90A9DD7-CCB8-45BD-A5D6-5F8ECC1CFE55}" dt="2019-01-08T11:52:01.478" v="1876" actId="20577"/>
+          <ac:spMkLst>
+            <pc:docMk/>
+            <pc:sldMk cId="1695914209" sldId="1866"/>
+            <ac:spMk id="4" creationId="{AC449EA8-A9EB-47F7-8F0C-15AC99A845AD}"/>
+          </ac:spMkLst>
+        </pc:spChg>
+        <pc:picChg chg="add">
+          <ac:chgData name="Raphael Bickel" userId="10e84020-2c14-449d-9e08-8279747f04a9" providerId="ADAL" clId="{F90A9DD7-CCB8-45BD-A5D6-5F8ECC1CFE55}" dt="2019-01-07T12:54:35.709" v="1622"/>
+          <ac:picMkLst>
+            <pc:docMk/>
+            <pc:sldMk cId="1695914209" sldId="1866"/>
+            <ac:picMk id="1026" creationId="{1DB31324-7469-4A13-B27A-9F603F366DAE}"/>
+          </ac:picMkLst>
+        </pc:picChg>
+        <pc:picChg chg="add mod ord">
+          <ac:chgData name="Raphael Bickel" userId="10e84020-2c14-449d-9e08-8279747f04a9" providerId="ADAL" clId="{F90A9DD7-CCB8-45BD-A5D6-5F8ECC1CFE55}" dt="2019-01-08T11:51:35.497" v="1865" actId="29295"/>
+          <ac:picMkLst>
+            <pc:docMk/>
+            <pc:sldMk cId="1695914209" sldId="1866"/>
+            <ac:picMk id="1026" creationId="{8A43132A-C223-4602-A8A1-EC1D4A84B4AF}"/>
+          </ac:picMkLst>
+        </pc:picChg>
+        <pc:picChg chg="add del mod">
+          <ac:chgData name="Raphael Bickel" userId="10e84020-2c14-449d-9e08-8279747f04a9" providerId="ADAL" clId="{F90A9DD7-CCB8-45BD-A5D6-5F8ECC1CFE55}" dt="2019-01-08T09:01:54.369" v="1860" actId="478"/>
+          <ac:picMkLst>
+            <pc:docMk/>
+            <pc:sldMk cId="1695914209" sldId="1866"/>
+            <ac:picMk id="1028" creationId="{CCF6816A-3729-4B76-A19E-3B6D12018120}"/>
+          </ac:picMkLst>
+        </pc:picChg>
       </pc:sldChg>
       <pc:sldChg chg="addSp add">
         <pc:chgData name="Raphael Bickel" userId="10e84020-2c14-449d-9e08-8279747f04a9" providerId="ADAL" clId="{F90A9DD7-CCB8-45BD-A5D6-5F8ECC1CFE55}" dt="2018-12-13T07:58:03.063" v="1287"/>
@@ -1575,6 +1627,107 @@
             <pc:docMk/>
             <pc:sldMk cId="3979434269" sldId="1868"/>
             <ac:picMk id="1028" creationId="{E1426704-EB4A-4375-8A9F-8C68B82F0827}"/>
+          </ac:picMkLst>
+        </pc:picChg>
+      </pc:sldChg>
+      <pc:sldChg chg="add">
+        <pc:chgData name="Raphael Bickel" userId="10e84020-2c14-449d-9e08-8279747f04a9" providerId="ADAL" clId="{F90A9DD7-CCB8-45BD-A5D6-5F8ECC1CFE55}" dt="2019-01-07T07:34:06.220" v="1620"/>
+        <pc:sldMkLst>
+          <pc:docMk/>
+          <pc:sldMk cId="705670732" sldId="1869"/>
+        </pc:sldMkLst>
+      </pc:sldChg>
+      <pc:sldChg chg="add">
+        <pc:chgData name="Raphael Bickel" userId="10e84020-2c14-449d-9e08-8279747f04a9" providerId="ADAL" clId="{F90A9DD7-CCB8-45BD-A5D6-5F8ECC1CFE55}" dt="2019-01-07T13:07:25.797" v="1624"/>
+        <pc:sldMkLst>
+          <pc:docMk/>
+          <pc:sldMk cId="730586587" sldId="1869"/>
+        </pc:sldMkLst>
+      </pc:sldChg>
+      <pc:sldChg chg="addSp delSp modSp add modTransition">
+        <pc:chgData name="Raphael Bickel" userId="10e84020-2c14-449d-9e08-8279747f04a9" providerId="ADAL" clId="{F90A9DD7-CCB8-45BD-A5D6-5F8ECC1CFE55}" dt="2019-01-08T08:55:56.580" v="1858" actId="6549"/>
+        <pc:sldMkLst>
+          <pc:docMk/>
+          <pc:sldMk cId="621003970" sldId="1870"/>
+        </pc:sldMkLst>
+        <pc:spChg chg="del">
+          <ac:chgData name="Raphael Bickel" userId="10e84020-2c14-449d-9e08-8279747f04a9" providerId="ADAL" clId="{F90A9DD7-CCB8-45BD-A5D6-5F8ECC1CFE55}" dt="2019-01-08T08:47:28.288" v="1644"/>
+          <ac:spMkLst>
+            <pc:docMk/>
+            <pc:sldMk cId="621003970" sldId="1870"/>
+            <ac:spMk id="2" creationId="{48B494DB-89A1-4359-92F3-26EF74963F5D}"/>
+          </ac:spMkLst>
+        </pc:spChg>
+        <pc:spChg chg="del">
+          <ac:chgData name="Raphael Bickel" userId="10e84020-2c14-449d-9e08-8279747f04a9" providerId="ADAL" clId="{F90A9DD7-CCB8-45BD-A5D6-5F8ECC1CFE55}" dt="2019-01-08T08:47:28.288" v="1644"/>
+          <ac:spMkLst>
+            <pc:docMk/>
+            <pc:sldMk cId="621003970" sldId="1870"/>
+            <ac:spMk id="3" creationId="{9B3814B1-EB39-40D4-86F9-48CC410FA037}"/>
+          </ac:spMkLst>
+        </pc:spChg>
+        <pc:spChg chg="add mod">
+          <ac:chgData name="Raphael Bickel" userId="10e84020-2c14-449d-9e08-8279747f04a9" providerId="ADAL" clId="{F90A9DD7-CCB8-45BD-A5D6-5F8ECC1CFE55}" dt="2019-01-08T08:47:28.288" v="1644"/>
+          <ac:spMkLst>
+            <pc:docMk/>
+            <pc:sldMk cId="621003970" sldId="1870"/>
+            <ac:spMk id="4" creationId="{6E27EC1C-6C3A-424D-A7B4-DEA0AEF9236F}"/>
+          </ac:spMkLst>
+        </pc:spChg>
+        <pc:spChg chg="add mod">
+          <ac:chgData name="Raphael Bickel" userId="10e84020-2c14-449d-9e08-8279747f04a9" providerId="ADAL" clId="{F90A9DD7-CCB8-45BD-A5D6-5F8ECC1CFE55}" dt="2019-01-08T08:50:19.344" v="1766" actId="20577"/>
+          <ac:spMkLst>
+            <pc:docMk/>
+            <pc:sldMk cId="621003970" sldId="1870"/>
+            <ac:spMk id="7" creationId="{2C543774-CD8B-4743-8E78-02C88B57DD3C}"/>
+          </ac:spMkLst>
+        </pc:spChg>
+        <pc:spChg chg="add mod">
+          <ac:chgData name="Raphael Bickel" userId="10e84020-2c14-449d-9e08-8279747f04a9" providerId="ADAL" clId="{F90A9DD7-CCB8-45BD-A5D6-5F8ECC1CFE55}" dt="2019-01-08T08:50:56.946" v="1834" actId="1037"/>
+          <ac:spMkLst>
+            <pc:docMk/>
+            <pc:sldMk cId="621003970" sldId="1870"/>
+            <ac:spMk id="8" creationId="{3D15D008-55FA-45CF-A111-F77CF7A4887E}"/>
+          </ac:spMkLst>
+        </pc:spChg>
+        <pc:spChg chg="add mod">
+          <ac:chgData name="Raphael Bickel" userId="10e84020-2c14-449d-9e08-8279747f04a9" providerId="ADAL" clId="{F90A9DD7-CCB8-45BD-A5D6-5F8ECC1CFE55}" dt="2019-01-08T08:55:56.580" v="1858" actId="6549"/>
+          <ac:spMkLst>
+            <pc:docMk/>
+            <pc:sldMk cId="621003970" sldId="1870"/>
+            <ac:spMk id="9" creationId="{345D0431-ADE3-4CC5-A221-7E7D1F26AF1E}"/>
+          </ac:spMkLst>
+        </pc:spChg>
+        <pc:picChg chg="add">
+          <ac:chgData name="Raphael Bickel" userId="10e84020-2c14-449d-9e08-8279747f04a9" providerId="ADAL" clId="{F90A9DD7-CCB8-45BD-A5D6-5F8ECC1CFE55}" dt="2019-01-08T08:47:29.907" v="1645"/>
+          <ac:picMkLst>
+            <pc:docMk/>
+            <pc:sldMk cId="621003970" sldId="1870"/>
+            <ac:picMk id="5" creationId="{DC6D3AA3-85AD-4848-8BA2-A74C96421CE5}"/>
+          </ac:picMkLst>
+        </pc:picChg>
+        <pc:picChg chg="add mod">
+          <ac:chgData name="Raphael Bickel" userId="10e84020-2c14-449d-9e08-8279747f04a9" providerId="ADAL" clId="{F90A9DD7-CCB8-45BD-A5D6-5F8ECC1CFE55}" dt="2019-01-08T08:50:42.503" v="1808" actId="1036"/>
+          <ac:picMkLst>
+            <pc:docMk/>
+            <pc:sldMk cId="621003970" sldId="1870"/>
+            <ac:picMk id="6" creationId="{68AA5723-D8C9-41AB-B169-E7DD988D12BD}"/>
+          </ac:picMkLst>
+        </pc:picChg>
+        <pc:picChg chg="add del mod">
+          <ac:chgData name="Raphael Bickel" userId="10e84020-2c14-449d-9e08-8279747f04a9" providerId="ADAL" clId="{F90A9DD7-CCB8-45BD-A5D6-5F8ECC1CFE55}" dt="2019-01-08T08:50:37.890" v="1796" actId="478"/>
+          <ac:picMkLst>
+            <pc:docMk/>
+            <pc:sldMk cId="621003970" sldId="1870"/>
+            <ac:picMk id="10" creationId="{C506155F-58A9-4777-99CC-67A9907863DF}"/>
+          </ac:picMkLst>
+        </pc:picChg>
+        <pc:picChg chg="add mod">
+          <ac:chgData name="Raphael Bickel" userId="10e84020-2c14-449d-9e08-8279747f04a9" providerId="ADAL" clId="{F90A9DD7-CCB8-45BD-A5D6-5F8ECC1CFE55}" dt="2019-01-08T08:50:45.081" v="1815" actId="1036"/>
+          <ac:picMkLst>
+            <pc:docMk/>
+            <pc:sldMk cId="621003970" sldId="1870"/>
+            <ac:picMk id="11" creationId="{B4D4DAF5-6D43-4AF7-9538-C09EBFDB6F4D}"/>
           </ac:picMkLst>
         </pc:picChg>
       </pc:sldChg>
@@ -1669,7 +1822,7 @@
               <a:rPr lang="en-US" smtClean="0">
                 <a:latin typeface="Segoe UI" pitchFamily="34" charset="0"/>
               </a:rPr>
-              <a:t>12/17/2018 9:15 AM</a:t>
+              <a:t>1/8/2019 9:47 AM</a:t>
             </a:fld>
             <a:endParaRPr lang="en-US" dirty="0">
               <a:latin typeface="Segoe UI" pitchFamily="34" charset="0"/>
@@ -1947,7 +2100,7 @@
           <a:p>
             <a:fld id="{386CE63F-9E7F-4C04-9D0D-FCA25A8E9E86}" type="datetime8">
               <a:rPr lang="en-US" smtClean="0"/>
-              <a:t>12/17/2018 9:14 AM</a:t>
+              <a:t>1/8/2019 9:47 AM</a:t>
             </a:fld>
             <a:endParaRPr lang="en-US" dirty="0"/>
           </a:p>
@@ -2276,187 +2429,6 @@
           <a:p>
             <a:pPr defTabSz="914099" eaLnBrk="0" hangingPunct="0"/>
             <a:r>
-              <a:rPr lang="en-US" sz="400">
-                <a:gradFill>
-                  <a:gsLst>
-                    <a:gs pos="0">
-                      <a:prstClr val="black"/>
-                    </a:gs>
-                    <a:gs pos="100000">
-                      <a:prstClr val="black"/>
-                    </a:gs>
-                  </a:gsLst>
-                  <a:lin ang="5400000" scaled="0"/>
-                </a:gradFill>
-                <a:latin typeface="Segoe UI" pitchFamily="34" charset="0"/>
-                <a:ea typeface="Segoe UI" pitchFamily="34" charset="0"/>
-                <a:cs typeface="Segoe UI" pitchFamily="34" charset="0"/>
-              </a:rPr>
-              <a:t>© Microsoft Corporation. All rights reserved. MICROSOFT MAKES NO WARRANTIES, EXPRESS, IMPLIED OR STATUTORY, AS TO THE INFORMATION IN THIS PRESENTATION.</a:t>
-            </a:r>
-            <a:endParaRPr lang="en-US" sz="400" dirty="0">
-              <a:gradFill>
-                <a:gsLst>
-                  <a:gs pos="0">
-                    <a:prstClr val="black"/>
-                  </a:gs>
-                  <a:gs pos="100000">
-                    <a:prstClr val="black"/>
-                  </a:gs>
-                </a:gsLst>
-                <a:lin ang="5400000" scaled="0"/>
-              </a:gradFill>
-              <a:latin typeface="Segoe UI" pitchFamily="34" charset="0"/>
-              <a:ea typeface="Segoe UI" pitchFamily="34" charset="0"/>
-              <a:cs typeface="Segoe UI" pitchFamily="34" charset="0"/>
-            </a:endParaRPr>
-          </a:p>
-        </p:txBody>
-      </p:sp>
-      <p:sp>
-        <p:nvSpPr>
-          <p:cNvPr id="6" name="Date Placeholder 5"/>
-          <p:cNvSpPr>
-            <a:spLocks noGrp="1"/>
-          </p:cNvSpPr>
-          <p:nvPr>
-            <p:ph type="dt" idx="12"/>
-          </p:nvPr>
-        </p:nvSpPr>
-        <p:spPr/>
-        <p:txBody>
-          <a:bodyPr/>
-          <a:lstStyle/>
-          <a:p>
-            <a:fld id="{386CE63F-9E7F-4C04-9D0D-FCA25A8E9E86}" type="datetime8">
-              <a:rPr lang="en-US" smtClean="0"/>
-              <a:t>12/17/2018 9:14 AM</a:t>
-            </a:fld>
-            <a:endParaRPr lang="en-US" dirty="0"/>
-          </a:p>
-        </p:txBody>
-      </p:sp>
-      <p:sp>
-        <p:nvSpPr>
-          <p:cNvPr id="7" name="Slide Number Placeholder 6"/>
-          <p:cNvSpPr>
-            <a:spLocks noGrp="1"/>
-          </p:cNvSpPr>
-          <p:nvPr>
-            <p:ph type="sldNum" sz="quarter" idx="13"/>
-          </p:nvPr>
-        </p:nvSpPr>
-        <p:spPr/>
-        <p:txBody>
-          <a:bodyPr/>
-          <a:lstStyle/>
-          <a:p>
-            <a:fld id="{B4008EB6-D09E-4580-8CD6-DDB14511944F}" type="slidenum">
-              <a:rPr lang="en-US" smtClean="0"/>
-              <a:pPr/>
-              <a:t>1</a:t>
-            </a:fld>
-            <a:endParaRPr lang="en-US" dirty="0"/>
-          </a:p>
-        </p:txBody>
-      </p:sp>
-    </p:spTree>
-    <p:extLst>
-      <p:ext uri="{BB962C8B-B14F-4D97-AF65-F5344CB8AC3E}">
-        <p14:creationId xmlns:p14="http://schemas.microsoft.com/office/powerpoint/2010/main" val="3770598375"/>
-      </p:ext>
-    </p:extLst>
-  </p:cSld>
-  <p:clrMapOvr>
-    <a:masterClrMapping/>
-  </p:clrMapOvr>
-</p:notes>
-</file>
-
-<file path=ppt/notesSlides/notesSlide10.xml><?xml version="1.0" encoding="utf-8"?>
-<p:notes xmlns:a="http://schemas.openxmlformats.org/drawingml/2006/main" xmlns:r="http://schemas.openxmlformats.org/officeDocument/2006/relationships" xmlns:p="http://schemas.openxmlformats.org/presentationml/2006/main">
-  <p:cSld>
-    <p:spTree>
-      <p:nvGrpSpPr>
-        <p:cNvPr id="1" name=""/>
-        <p:cNvGrpSpPr/>
-        <p:nvPr/>
-      </p:nvGrpSpPr>
-      <p:grpSpPr>
-        <a:xfrm>
-          <a:off x="0" y="0"/>
-          <a:ext cx="0" cy="0"/>
-          <a:chOff x="0" y="0"/>
-          <a:chExt cx="0" cy="0"/>
-        </a:xfrm>
-      </p:grpSpPr>
-      <p:sp>
-        <p:nvSpPr>
-          <p:cNvPr id="2" name="Slide Image Placeholder 1"/>
-          <p:cNvSpPr>
-            <a:spLocks noGrp="1" noRot="1" noChangeAspect="1"/>
-          </p:cNvSpPr>
-          <p:nvPr>
-            <p:ph type="sldImg"/>
-          </p:nvPr>
-        </p:nvSpPr>
-        <p:spPr/>
-      </p:sp>
-      <p:sp>
-        <p:nvSpPr>
-          <p:cNvPr id="3" name="Notes Placeholder 2"/>
-          <p:cNvSpPr>
-            <a:spLocks noGrp="1"/>
-          </p:cNvSpPr>
-          <p:nvPr>
-            <p:ph type="body" idx="1"/>
-          </p:nvPr>
-        </p:nvSpPr>
-        <p:spPr/>
-        <p:txBody>
-          <a:bodyPr/>
-          <a:lstStyle/>
-          <a:p>
-            <a:endParaRPr lang="en-US" dirty="0"/>
-          </a:p>
-        </p:txBody>
-      </p:sp>
-      <p:sp>
-        <p:nvSpPr>
-          <p:cNvPr id="4" name="Header Placeholder 3"/>
-          <p:cNvSpPr>
-            <a:spLocks noGrp="1"/>
-          </p:cNvSpPr>
-          <p:nvPr>
-            <p:ph type="hdr" sz="quarter" idx="10"/>
-          </p:nvPr>
-        </p:nvSpPr>
-        <p:spPr/>
-        <p:txBody>
-          <a:bodyPr/>
-          <a:lstStyle/>
-          <a:p>
-            <a:endParaRPr lang="en-US" dirty="0"/>
-          </a:p>
-        </p:txBody>
-      </p:sp>
-      <p:sp>
-        <p:nvSpPr>
-          <p:cNvPr id="5" name="Footer Placeholder 4"/>
-          <p:cNvSpPr>
-            <a:spLocks noGrp="1"/>
-          </p:cNvSpPr>
-          <p:nvPr>
-            <p:ph type="ftr" sz="quarter" idx="11"/>
-          </p:nvPr>
-        </p:nvSpPr>
-        <p:spPr/>
-        <p:txBody>
-          <a:bodyPr/>
-          <a:lstStyle/>
-          <a:p>
-            <a:pPr defTabSz="914099" eaLnBrk="0" hangingPunct="0"/>
-            <a:r>
               <a:rPr lang="en-US" sz="400" dirty="0">
                 <a:gradFill>
                   <a:gsLst>
@@ -2493,9 +2465,9 @@
           <a:bodyPr/>
           <a:lstStyle/>
           <a:p>
-            <a:fld id="{9427A7F7-BB1E-479D-AFAA-B52F4D0C99F2}" type="datetime8">
+            <a:fld id="{72E0C910-0166-48E0-B8EF-5071277A02A8}" type="datetime8">
               <a:rPr lang="en-US" smtClean="0"/>
-              <a:t>12/17/2018 9:16 AM</a:t>
+              <a:t>1/8/2019 9:47 AM</a:t>
             </a:fld>
             <a:endParaRPr lang="en-US" dirty="0"/>
           </a:p>
@@ -2519,7 +2491,7 @@
             <a:fld id="{B4008EB6-D09E-4580-8CD6-DDB14511944F}" type="slidenum">
               <a:rPr lang="en-US" smtClean="0"/>
               <a:pPr/>
-              <a:t>10</a:t>
+              <a:t>2</a:t>
             </a:fld>
             <a:endParaRPr lang="en-US" dirty="0"/>
           </a:p>
@@ -2528,7 +2500,7 @@
     </p:spTree>
     <p:extLst>
       <p:ext uri="{BB962C8B-B14F-4D97-AF65-F5344CB8AC3E}">
-        <p14:creationId xmlns:p14="http://schemas.microsoft.com/office/powerpoint/2010/main" val="2824950304"/>
+        <p14:creationId xmlns:p14="http://schemas.microsoft.com/office/powerpoint/2010/main" val="1601089676"/>
       </p:ext>
     </p:extLst>
   </p:cSld>
@@ -2538,337 +2510,7 @@
 </p:notes>
 </file>
 
-<file path=ppt/notesSlides/notesSlide11.xml><?xml version="1.0" encoding="utf-8"?>
-<p:notes xmlns:a="http://schemas.openxmlformats.org/drawingml/2006/main" xmlns:r="http://schemas.openxmlformats.org/officeDocument/2006/relationships" xmlns:p="http://schemas.openxmlformats.org/presentationml/2006/main">
-  <p:cSld>
-    <p:spTree>
-      <p:nvGrpSpPr>
-        <p:cNvPr id="1" name=""/>
-        <p:cNvGrpSpPr/>
-        <p:nvPr/>
-      </p:nvGrpSpPr>
-      <p:grpSpPr>
-        <a:xfrm>
-          <a:off x="0" y="0"/>
-          <a:ext cx="0" cy="0"/>
-          <a:chOff x="0" y="0"/>
-          <a:chExt cx="0" cy="0"/>
-        </a:xfrm>
-      </p:grpSpPr>
-      <p:sp>
-        <p:nvSpPr>
-          <p:cNvPr id="2" name="Slide Image Placeholder 1"/>
-          <p:cNvSpPr>
-            <a:spLocks noGrp="1" noRot="1" noChangeAspect="1"/>
-          </p:cNvSpPr>
-          <p:nvPr>
-            <p:ph type="sldImg"/>
-          </p:nvPr>
-        </p:nvSpPr>
-        <p:spPr/>
-      </p:sp>
-      <p:sp>
-        <p:nvSpPr>
-          <p:cNvPr id="3" name="Notes Placeholder 2"/>
-          <p:cNvSpPr>
-            <a:spLocks noGrp="1"/>
-          </p:cNvSpPr>
-          <p:nvPr>
-            <p:ph type="body" idx="1"/>
-          </p:nvPr>
-        </p:nvSpPr>
-        <p:spPr/>
-        <p:txBody>
-          <a:bodyPr/>
-          <a:lstStyle/>
-          <a:p>
-            <a:endParaRPr lang="en-US" dirty="0"/>
-          </a:p>
-        </p:txBody>
-      </p:sp>
-      <p:sp>
-        <p:nvSpPr>
-          <p:cNvPr id="4" name="Header Placeholder 3"/>
-          <p:cNvSpPr>
-            <a:spLocks noGrp="1"/>
-          </p:cNvSpPr>
-          <p:nvPr>
-            <p:ph type="hdr" sz="quarter" idx="10"/>
-          </p:nvPr>
-        </p:nvSpPr>
-        <p:spPr/>
-        <p:txBody>
-          <a:bodyPr/>
-          <a:lstStyle/>
-          <a:p>
-            <a:endParaRPr lang="en-US" dirty="0"/>
-          </a:p>
-        </p:txBody>
-      </p:sp>
-      <p:sp>
-        <p:nvSpPr>
-          <p:cNvPr id="5" name="Footer Placeholder 4"/>
-          <p:cNvSpPr>
-            <a:spLocks noGrp="1"/>
-          </p:cNvSpPr>
-          <p:nvPr>
-            <p:ph type="ftr" sz="quarter" idx="11"/>
-          </p:nvPr>
-        </p:nvSpPr>
-        <p:spPr/>
-        <p:txBody>
-          <a:bodyPr/>
-          <a:lstStyle/>
-          <a:p>
-            <a:pPr defTabSz="914099" eaLnBrk="0" hangingPunct="0"/>
-            <a:r>
-              <a:rPr lang="en-US" sz="400" dirty="0">
-                <a:gradFill>
-                  <a:gsLst>
-                    <a:gs pos="0">
-                      <a:prstClr val="black"/>
-                    </a:gs>
-                    <a:gs pos="100000">
-                      <a:prstClr val="black"/>
-                    </a:gs>
-                  </a:gsLst>
-                  <a:lin ang="5400000" scaled="0"/>
-                </a:gradFill>
-                <a:latin typeface="Segoe UI" pitchFamily="34" charset="0"/>
-                <a:ea typeface="Segoe UI" pitchFamily="34" charset="0"/>
-                <a:cs typeface="Segoe UI" pitchFamily="34" charset="0"/>
-              </a:rPr>
-              <a:t>© Microsoft Corporation. All rights reserved. MICROSOFT MAKES NO WARRANTIES, EXPRESS, IMPLIED OR STATUTORY, AS TO THE INFORMATION IN THIS PRESENTATION.</a:t>
-            </a:r>
-          </a:p>
-        </p:txBody>
-      </p:sp>
-      <p:sp>
-        <p:nvSpPr>
-          <p:cNvPr id="6" name="Date Placeholder 5"/>
-          <p:cNvSpPr>
-            <a:spLocks noGrp="1"/>
-          </p:cNvSpPr>
-          <p:nvPr>
-            <p:ph type="dt" idx="12"/>
-          </p:nvPr>
-        </p:nvSpPr>
-        <p:spPr/>
-        <p:txBody>
-          <a:bodyPr/>
-          <a:lstStyle/>
-          <a:p>
-            <a:fld id="{9427A7F7-BB1E-479D-AFAA-B52F4D0C99F2}" type="datetime8">
-              <a:rPr lang="en-US" smtClean="0"/>
-              <a:t>12/17/2018 9:14 AM</a:t>
-            </a:fld>
-            <a:endParaRPr lang="en-US" dirty="0"/>
-          </a:p>
-        </p:txBody>
-      </p:sp>
-      <p:sp>
-        <p:nvSpPr>
-          <p:cNvPr id="7" name="Slide Number Placeholder 6"/>
-          <p:cNvSpPr>
-            <a:spLocks noGrp="1"/>
-          </p:cNvSpPr>
-          <p:nvPr>
-            <p:ph type="sldNum" sz="quarter" idx="13"/>
-          </p:nvPr>
-        </p:nvSpPr>
-        <p:spPr/>
-        <p:txBody>
-          <a:bodyPr/>
-          <a:lstStyle/>
-          <a:p>
-            <a:fld id="{B4008EB6-D09E-4580-8CD6-DDB14511944F}" type="slidenum">
-              <a:rPr lang="en-US" smtClean="0"/>
-              <a:pPr/>
-              <a:t>11</a:t>
-            </a:fld>
-            <a:endParaRPr lang="en-US" dirty="0"/>
-          </a:p>
-        </p:txBody>
-      </p:sp>
-    </p:spTree>
-    <p:extLst>
-      <p:ext uri="{BB962C8B-B14F-4D97-AF65-F5344CB8AC3E}">
-        <p14:creationId xmlns:p14="http://schemas.microsoft.com/office/powerpoint/2010/main" val="3805129736"/>
-      </p:ext>
-    </p:extLst>
-  </p:cSld>
-  <p:clrMapOvr>
-    <a:masterClrMapping/>
-  </p:clrMapOvr>
-</p:notes>
-</file>
-
-<file path=ppt/notesSlides/notesSlide12.xml><?xml version="1.0" encoding="utf-8"?>
-<p:notes xmlns:a="http://schemas.openxmlformats.org/drawingml/2006/main" xmlns:r="http://schemas.openxmlformats.org/officeDocument/2006/relationships" xmlns:p="http://schemas.openxmlformats.org/presentationml/2006/main">
-  <p:cSld>
-    <p:spTree>
-      <p:nvGrpSpPr>
-        <p:cNvPr id="1" name=""/>
-        <p:cNvGrpSpPr/>
-        <p:nvPr/>
-      </p:nvGrpSpPr>
-      <p:grpSpPr>
-        <a:xfrm>
-          <a:off x="0" y="0"/>
-          <a:ext cx="0" cy="0"/>
-          <a:chOff x="0" y="0"/>
-          <a:chExt cx="0" cy="0"/>
-        </a:xfrm>
-      </p:grpSpPr>
-      <p:sp>
-        <p:nvSpPr>
-          <p:cNvPr id="2" name="Slide Image Placeholder 1"/>
-          <p:cNvSpPr>
-            <a:spLocks noGrp="1" noRot="1" noChangeAspect="1"/>
-          </p:cNvSpPr>
-          <p:nvPr>
-            <p:ph type="sldImg"/>
-          </p:nvPr>
-        </p:nvSpPr>
-        <p:spPr/>
-      </p:sp>
-      <p:sp>
-        <p:nvSpPr>
-          <p:cNvPr id="3" name="Notes Placeholder 2"/>
-          <p:cNvSpPr>
-            <a:spLocks noGrp="1"/>
-          </p:cNvSpPr>
-          <p:nvPr>
-            <p:ph type="body" idx="1"/>
-          </p:nvPr>
-        </p:nvSpPr>
-        <p:spPr/>
-        <p:txBody>
-          <a:bodyPr/>
-          <a:lstStyle/>
-          <a:p>
-            <a:endParaRPr lang="en-US" dirty="0"/>
-          </a:p>
-        </p:txBody>
-      </p:sp>
-      <p:sp>
-        <p:nvSpPr>
-          <p:cNvPr id="4" name="Header Placeholder 3"/>
-          <p:cNvSpPr>
-            <a:spLocks noGrp="1"/>
-          </p:cNvSpPr>
-          <p:nvPr>
-            <p:ph type="hdr" sz="quarter" idx="10"/>
-          </p:nvPr>
-        </p:nvSpPr>
-        <p:spPr/>
-        <p:txBody>
-          <a:bodyPr/>
-          <a:lstStyle/>
-          <a:p>
-            <a:endParaRPr lang="en-US" dirty="0"/>
-          </a:p>
-        </p:txBody>
-      </p:sp>
-      <p:sp>
-        <p:nvSpPr>
-          <p:cNvPr id="5" name="Footer Placeholder 4"/>
-          <p:cNvSpPr>
-            <a:spLocks noGrp="1"/>
-          </p:cNvSpPr>
-          <p:nvPr>
-            <p:ph type="ftr" sz="quarter" idx="11"/>
-          </p:nvPr>
-        </p:nvSpPr>
-        <p:spPr/>
-        <p:txBody>
-          <a:bodyPr/>
-          <a:lstStyle/>
-          <a:p>
-            <a:pPr defTabSz="914099" eaLnBrk="0" hangingPunct="0"/>
-            <a:r>
-              <a:rPr lang="en-US" sz="400" dirty="0">
-                <a:gradFill>
-                  <a:gsLst>
-                    <a:gs pos="0">
-                      <a:prstClr val="black"/>
-                    </a:gs>
-                    <a:gs pos="100000">
-                      <a:prstClr val="black"/>
-                    </a:gs>
-                  </a:gsLst>
-                  <a:lin ang="5400000" scaled="0"/>
-                </a:gradFill>
-                <a:latin typeface="Segoe UI" pitchFamily="34" charset="0"/>
-                <a:ea typeface="Segoe UI" pitchFamily="34" charset="0"/>
-                <a:cs typeface="Segoe UI" pitchFamily="34" charset="0"/>
-              </a:rPr>
-              <a:t>© Microsoft Corporation. All rights reserved. MICROSOFT MAKES NO WARRANTIES, EXPRESS, IMPLIED OR STATUTORY, AS TO THE INFORMATION IN THIS PRESENTATION.</a:t>
-            </a:r>
-          </a:p>
-        </p:txBody>
-      </p:sp>
-      <p:sp>
-        <p:nvSpPr>
-          <p:cNvPr id="6" name="Date Placeholder 5"/>
-          <p:cNvSpPr>
-            <a:spLocks noGrp="1"/>
-          </p:cNvSpPr>
-          <p:nvPr>
-            <p:ph type="dt" idx="12"/>
-          </p:nvPr>
-        </p:nvSpPr>
-        <p:spPr/>
-        <p:txBody>
-          <a:bodyPr/>
-          <a:lstStyle/>
-          <a:p>
-            <a:fld id="{9427A7F7-BB1E-479D-AFAA-B52F4D0C99F2}" type="datetime8">
-              <a:rPr lang="en-US" smtClean="0"/>
-              <a:t>12/17/2018 9:14 AM</a:t>
-            </a:fld>
-            <a:endParaRPr lang="en-US" dirty="0"/>
-          </a:p>
-        </p:txBody>
-      </p:sp>
-      <p:sp>
-        <p:nvSpPr>
-          <p:cNvPr id="7" name="Slide Number Placeholder 6"/>
-          <p:cNvSpPr>
-            <a:spLocks noGrp="1"/>
-          </p:cNvSpPr>
-          <p:nvPr>
-            <p:ph type="sldNum" sz="quarter" idx="13"/>
-          </p:nvPr>
-        </p:nvSpPr>
-        <p:spPr/>
-        <p:txBody>
-          <a:bodyPr/>
-          <a:lstStyle/>
-          <a:p>
-            <a:fld id="{B4008EB6-D09E-4580-8CD6-DDB14511944F}" type="slidenum">
-              <a:rPr lang="en-US" smtClean="0"/>
-              <a:pPr/>
-              <a:t>12</a:t>
-            </a:fld>
-            <a:endParaRPr lang="en-US" dirty="0"/>
-          </a:p>
-        </p:txBody>
-      </p:sp>
-    </p:spTree>
-    <p:extLst>
-      <p:ext uri="{BB962C8B-B14F-4D97-AF65-F5344CB8AC3E}">
-        <p14:creationId xmlns:p14="http://schemas.microsoft.com/office/powerpoint/2010/main" val="2759233126"/>
-      </p:ext>
-    </p:extLst>
-  </p:cSld>
-  <p:clrMapOvr>
-    <a:masterClrMapping/>
-  </p:clrMapOvr>
-</p:notes>
-</file>
-
-<file path=ppt/notesSlides/notesSlide13.xml><?xml version="1.0" encoding="utf-8"?>
+<file path=ppt/notesSlides/notesSlide10.xml><?xml version="1.0" encoding="utf-8"?>
 <p:notes xmlns:a="http://schemas.openxmlformats.org/drawingml/2006/main" xmlns:r="http://schemas.openxmlformats.org/officeDocument/2006/relationships" xmlns:p="http://schemas.openxmlformats.org/presentationml/2006/main">
   <p:cSld>
     <p:spTree>
@@ -2966,13 +2608,13 @@
             </a:r>
           </a:p>
           <a:p>
-            <a:pPr marL="171450" indent="-171450">
+            <a:pPr marL="0" indent="0">
               <a:buFontTx/>
-              <a:buChar char="-"/>
+              <a:buNone/>
             </a:pPr>
             <a:r>
               <a:rPr lang="en-US" dirty="0"/>
-              <a:t>Present Developer portal</a:t>
+              <a:t>- Present Developer portal</a:t>
             </a:r>
           </a:p>
           <a:p>
@@ -2993,6 +2635,57 @@
             </a:r>
           </a:p>
           <a:p>
+            <a:pPr marL="171450" marR="0" lvl="0" indent="-171450" algn="l" defTabSz="914367" rtl="0" eaLnBrk="1" fontAlgn="auto" latinLnBrk="0" hangingPunct="1">
+              <a:lnSpc>
+                <a:spcPct val="90000"/>
+              </a:lnSpc>
+              <a:spcBef>
+                <a:spcPts val="0"/>
+              </a:spcBef>
+              <a:spcAft>
+                <a:spcPts val="333"/>
+              </a:spcAft>
+              <a:buClrTx/>
+              <a:buSzTx/>
+              <a:buFontTx/>
+              <a:buChar char="-"/>
+              <a:tabLst/>
+              <a:defRPr/>
+            </a:pPr>
+            <a:r>
+              <a:rPr lang="en-US" dirty="0"/>
+              <a:t>Add Policy Set Request Header: </a:t>
+            </a:r>
+            <a:r>
+              <a:rPr lang="en-US" dirty="0" err="1"/>
+              <a:t>accept:application</a:t>
+            </a:r>
+            <a:r>
+              <a:rPr lang="en-US" dirty="0"/>
+              <a:t>/json</a:t>
+            </a:r>
+          </a:p>
+          <a:p>
+            <a:pPr marL="0" marR="0" lvl="0" indent="0" algn="l" defTabSz="914367" rtl="0" eaLnBrk="1" fontAlgn="auto" latinLnBrk="0" hangingPunct="1">
+              <a:lnSpc>
+                <a:spcPct val="90000"/>
+              </a:lnSpc>
+              <a:spcBef>
+                <a:spcPts val="0"/>
+              </a:spcBef>
+              <a:spcAft>
+                <a:spcPts val="333"/>
+              </a:spcAft>
+              <a:buClrTx/>
+              <a:buSzTx/>
+              <a:buFontTx/>
+              <a:buNone/>
+              <a:tabLst/>
+              <a:defRPr/>
+            </a:pPr>
+            <a:endParaRPr lang="en-US" dirty="0"/>
+          </a:p>
+          <a:p>
             <a:pPr marL="0" marR="0" lvl="0" indent="0" algn="l" defTabSz="914367" rtl="0" eaLnBrk="1" fontAlgn="auto" latinLnBrk="0" hangingPunct="1">
               <a:lnSpc>
                 <a:spcPct val="90000"/>
@@ -3011,17 +2704,99 @@
               <a:defRPr/>
             </a:pPr>
             <a:r>
-              <a:rPr lang="en-US" dirty="0"/>
-              <a:t>- Add Policy Set Request Header: </a:t>
+              <a:rPr lang="en-US" sz="882" b="0" kern="1200" dirty="0">
+                <a:solidFill>
+                  <a:schemeClr val="tx1"/>
+                </a:solidFill>
+                <a:effectLst/>
+                <a:latin typeface="Segoe UI Light" pitchFamily="34" charset="0"/>
+                <a:ea typeface="+mn-ea"/>
+                <a:cs typeface="+mn-cs"/>
+              </a:rPr>
+              <a:t>&lt;xml-to-json kind="direct" apply="always" consider-accept-header="true" /&gt;</a:t>
             </a:r>
+          </a:p>
+          <a:p>
+            <a:pPr marL="0" marR="0" lvl="0" indent="0" algn="l" defTabSz="914367" rtl="0" eaLnBrk="1" fontAlgn="auto" latinLnBrk="0" hangingPunct="1">
+              <a:lnSpc>
+                <a:spcPct val="90000"/>
+              </a:lnSpc>
+              <a:spcBef>
+                <a:spcPts val="0"/>
+              </a:spcBef>
+              <a:spcAft>
+                <a:spcPts val="333"/>
+              </a:spcAft>
+              <a:buClrTx/>
+              <a:buSzTx/>
+              <a:buFontTx/>
+              <a:buNone/>
+              <a:tabLst/>
+              <a:defRPr/>
+            </a:pPr>
+            <a:endParaRPr lang="en-US" dirty="0"/>
+          </a:p>
+          <a:p>
             <a:r>
-              <a:rPr lang="en-US" dirty="0" err="1"/>
-              <a:t>accept:application</a:t>
+              <a:rPr lang="en-US" sz="882" b="0" kern="1200" dirty="0">
+                <a:solidFill>
+                  <a:schemeClr val="tx1"/>
+                </a:solidFill>
+                <a:effectLst/>
+                <a:latin typeface="Segoe UI Light" pitchFamily="34" charset="0"/>
+                <a:ea typeface="+mn-ea"/>
+                <a:cs typeface="+mn-cs"/>
+              </a:rPr>
+              <a:t>&lt;set-header name="accept" exists-action="override"&gt;</a:t>
             </a:r>
+          </a:p>
+          <a:p>
             <a:r>
-              <a:rPr lang="en-US" dirty="0"/>
-              <a:t>/json</a:t>
+              <a:rPr lang="en-US" sz="882" b="0" kern="1200" dirty="0">
+                <a:solidFill>
+                  <a:schemeClr val="tx1"/>
+                </a:solidFill>
+                <a:effectLst/>
+                <a:latin typeface="Segoe UI Light" pitchFamily="34" charset="0"/>
+                <a:ea typeface="+mn-ea"/>
+                <a:cs typeface="+mn-cs"/>
+              </a:rPr>
+              <a:t>&lt;value&gt;application/json&lt;/value&gt;</a:t>
             </a:r>
+          </a:p>
+          <a:p>
+            <a:r>
+              <a:rPr lang="en-US" sz="882" b="0" kern="1200" dirty="0">
+                <a:solidFill>
+                  <a:schemeClr val="tx1"/>
+                </a:solidFill>
+                <a:effectLst/>
+                <a:latin typeface="Segoe UI Light" pitchFamily="34" charset="0"/>
+                <a:ea typeface="+mn-ea"/>
+                <a:cs typeface="+mn-cs"/>
+              </a:rPr>
+              <a:t>&lt;/set-header&gt;</a:t>
+            </a:r>
+          </a:p>
+          <a:p>
+            <a:pPr marL="0" marR="0" lvl="0" indent="0" algn="l" defTabSz="914367" rtl="0" eaLnBrk="1" fontAlgn="auto" latinLnBrk="0" hangingPunct="1">
+              <a:lnSpc>
+                <a:spcPct val="90000"/>
+              </a:lnSpc>
+              <a:spcBef>
+                <a:spcPts val="0"/>
+              </a:spcBef>
+              <a:spcAft>
+                <a:spcPts val="333"/>
+              </a:spcAft>
+              <a:buClrTx/>
+              <a:buSzTx/>
+              <a:buFontTx/>
+              <a:buNone/>
+              <a:tabLst/>
+              <a:defRPr/>
+            </a:pPr>
+            <a:endParaRPr lang="en-US" b="1" dirty="0"/>
           </a:p>
           <a:p>
             <a:pPr marL="0" indent="0">
@@ -3462,7 +3237,7 @@
           <a:p>
             <a:fld id="{B16574EE-8191-4BCC-ABE6-D00A4F4D7690}" type="datetime8">
               <a:rPr lang="en-US" smtClean="0"/>
-              <a:t>12/17/2018 9:14 AM</a:t>
+              <a:t>1/8/2019 9:47 AM</a:t>
             </a:fld>
             <a:endParaRPr lang="en-US" dirty="0"/>
           </a:p>
@@ -3486,7 +3261,7 @@
             <a:fld id="{B4008EB6-D09E-4580-8CD6-DDB14511944F}" type="slidenum">
               <a:rPr lang="en-US" smtClean="0"/>
               <a:pPr/>
-              <a:t>13</a:t>
+              <a:t>12</a:t>
             </a:fld>
             <a:endParaRPr lang="en-US" dirty="0"/>
           </a:p>
@@ -3505,190 +3280,7 @@
 </p:notes>
 </file>
 
-<file path=ppt/notesSlides/notesSlide14.xml><?xml version="1.0" encoding="utf-8"?>
-<p:notes xmlns:a="http://schemas.openxmlformats.org/drawingml/2006/main" xmlns:r="http://schemas.openxmlformats.org/officeDocument/2006/relationships" xmlns:p="http://schemas.openxmlformats.org/presentationml/2006/main">
-  <p:cSld>
-    <p:spTree>
-      <p:nvGrpSpPr>
-        <p:cNvPr id="1" name=""/>
-        <p:cNvGrpSpPr/>
-        <p:nvPr/>
-      </p:nvGrpSpPr>
-      <p:grpSpPr>
-        <a:xfrm>
-          <a:off x="0" y="0"/>
-          <a:ext cx="0" cy="0"/>
-          <a:chOff x="0" y="0"/>
-          <a:chExt cx="0" cy="0"/>
-        </a:xfrm>
-      </p:grpSpPr>
-      <p:sp>
-        <p:nvSpPr>
-          <p:cNvPr id="2" name="Slide Image Placeholder 1"/>
-          <p:cNvSpPr>
-            <a:spLocks noGrp="1" noRot="1" noChangeAspect="1"/>
-          </p:cNvSpPr>
-          <p:nvPr>
-            <p:ph type="sldImg"/>
-          </p:nvPr>
-        </p:nvSpPr>
-        <p:spPr/>
-      </p:sp>
-      <p:sp>
-        <p:nvSpPr>
-          <p:cNvPr id="3" name="Notes Placeholder 2"/>
-          <p:cNvSpPr>
-            <a:spLocks noGrp="1"/>
-          </p:cNvSpPr>
-          <p:nvPr>
-            <p:ph type="body" idx="1"/>
-          </p:nvPr>
-        </p:nvSpPr>
-        <p:spPr/>
-        <p:txBody>
-          <a:bodyPr/>
-          <a:lstStyle/>
-          <a:p>
-            <a:r>
-              <a:rPr lang="en-US" sz="882" b="0" i="0" u="none" strike="noStrike" kern="1200" dirty="0">
-                <a:solidFill>
-                  <a:schemeClr val="tx1"/>
-                </a:solidFill>
-                <a:effectLst/>
-                <a:latin typeface="Segoe UI Light" pitchFamily="34" charset="0"/>
-                <a:ea typeface="+mn-ea"/>
-                <a:cs typeface="+mn-cs"/>
-              </a:rPr>
-              <a:t>Microsoft Services solution to help banks implement an open banking platform that enables disruptive transformation and fuels innovation with strategic partnerships.  Solution leverages the Azure ecosystem of advanced technologies to provide a competitive advantage while providing a secure infrastructure to safeguard digital assets for the open API economy.​</a:t>
-            </a:r>
-          </a:p>
-          <a:p>
-            <a:r>
-              <a:rPr lang="en-US" sz="900" dirty="0"/>
-              <a:t>Conceptual Architecture</a:t>
-            </a:r>
-            <a:endParaRPr lang="en-US" dirty="0"/>
-          </a:p>
-        </p:txBody>
-      </p:sp>
-      <p:sp>
-        <p:nvSpPr>
-          <p:cNvPr id="4" name="Header Placeholder 3"/>
-          <p:cNvSpPr>
-            <a:spLocks noGrp="1"/>
-          </p:cNvSpPr>
-          <p:nvPr>
-            <p:ph type="hdr" sz="quarter" idx="10"/>
-          </p:nvPr>
-        </p:nvSpPr>
-        <p:spPr/>
-        <p:txBody>
-          <a:bodyPr/>
-          <a:lstStyle/>
-          <a:p>
-            <a:endParaRPr lang="en-US" dirty="0"/>
-          </a:p>
-        </p:txBody>
-      </p:sp>
-      <p:sp>
-        <p:nvSpPr>
-          <p:cNvPr id="5" name="Footer Placeholder 4"/>
-          <p:cNvSpPr>
-            <a:spLocks noGrp="1"/>
-          </p:cNvSpPr>
-          <p:nvPr>
-            <p:ph type="ftr" sz="quarter" idx="11"/>
-          </p:nvPr>
-        </p:nvSpPr>
-        <p:spPr/>
-        <p:txBody>
-          <a:bodyPr/>
-          <a:lstStyle/>
-          <a:p>
-            <a:pPr defTabSz="914099" eaLnBrk="0" hangingPunct="0"/>
-            <a:r>
-              <a:rPr lang="en-US" sz="400" dirty="0">
-                <a:gradFill>
-                  <a:gsLst>
-                    <a:gs pos="0">
-                      <a:prstClr val="black"/>
-                    </a:gs>
-                    <a:gs pos="100000">
-                      <a:prstClr val="black"/>
-                    </a:gs>
-                  </a:gsLst>
-                  <a:lin ang="5400000" scaled="0"/>
-                </a:gradFill>
-                <a:latin typeface="Segoe UI" pitchFamily="34" charset="0"/>
-                <a:ea typeface="Segoe UI" pitchFamily="34" charset="0"/>
-                <a:cs typeface="Segoe UI" pitchFamily="34" charset="0"/>
-              </a:rPr>
-              <a:t>© Microsoft Corporation. All rights reserved. MICROSOFT MAKES NO WARRANTIES, EXPRESS, IMPLIED OR STATUTORY, AS TO THE INFORMATION IN THIS PRESENTATION.</a:t>
-            </a:r>
-          </a:p>
-        </p:txBody>
-      </p:sp>
-      <p:sp>
-        <p:nvSpPr>
-          <p:cNvPr id="6" name="Date Placeholder 5"/>
-          <p:cNvSpPr>
-            <a:spLocks noGrp="1"/>
-          </p:cNvSpPr>
-          <p:nvPr>
-            <p:ph type="dt" idx="12"/>
-          </p:nvPr>
-        </p:nvSpPr>
-        <p:spPr/>
-        <p:txBody>
-          <a:bodyPr/>
-          <a:lstStyle/>
-          <a:p>
-            <a:fld id="{9427A7F7-BB1E-479D-AFAA-B52F4D0C99F2}" type="datetime8">
-              <a:rPr lang="en-US" smtClean="0"/>
-              <a:t>12/17/2018 9:14 AM</a:t>
-            </a:fld>
-            <a:endParaRPr lang="en-US" dirty="0"/>
-          </a:p>
-        </p:txBody>
-      </p:sp>
-      <p:sp>
-        <p:nvSpPr>
-          <p:cNvPr id="7" name="Slide Number Placeholder 6"/>
-          <p:cNvSpPr>
-            <a:spLocks noGrp="1"/>
-          </p:cNvSpPr>
-          <p:nvPr>
-            <p:ph type="sldNum" sz="quarter" idx="13"/>
-          </p:nvPr>
-        </p:nvSpPr>
-        <p:spPr/>
-        <p:txBody>
-          <a:bodyPr/>
-          <a:lstStyle/>
-          <a:p>
-            <a:fld id="{B4008EB6-D09E-4580-8CD6-DDB14511944F}" type="slidenum">
-              <a:rPr lang="en-US" smtClean="0"/>
-              <a:pPr/>
-              <a:t>14</a:t>
-            </a:fld>
-            <a:endParaRPr lang="en-US" dirty="0"/>
-          </a:p>
-        </p:txBody>
-      </p:sp>
-    </p:spTree>
-    <p:extLst>
-      <p:ext uri="{BB962C8B-B14F-4D97-AF65-F5344CB8AC3E}">
-        <p14:creationId xmlns:p14="http://schemas.microsoft.com/office/powerpoint/2010/main" val="261699571"/>
-      </p:ext>
-    </p:extLst>
-  </p:cSld>
-  <p:clrMapOvr>
-    <a:masterClrMapping/>
-  </p:clrMapOvr>
-</p:notes>
-</file>
-
-<file path=ppt/notesSlides/notesSlide15.xml><?xml version="1.0" encoding="utf-8"?>
+<file path=ppt/notesSlides/notesSlide11.xml><?xml version="1.0" encoding="utf-8"?>
 <p:notes xmlns:a="http://schemas.openxmlformats.org/drawingml/2006/main" xmlns:r="http://schemas.openxmlformats.org/officeDocument/2006/relationships" xmlns:p="http://schemas.openxmlformats.org/presentationml/2006/main">
   <p:cSld>
     <p:spTree>
@@ -3810,7 +3402,7 @@
           <a:p>
             <a:fld id="{B16574EE-8191-4BCC-ABE6-D00A4F4D7690}" type="datetime8">
               <a:rPr lang="en-US" smtClean="0"/>
-              <a:t>12/17/2018 9:14 AM</a:t>
+              <a:t>1/8/2019 9:47 AM</a:t>
             </a:fld>
             <a:endParaRPr lang="en-US" dirty="0"/>
           </a:p>
@@ -3834,7 +3426,7 @@
             <a:fld id="{B4008EB6-D09E-4580-8CD6-DDB14511944F}" type="slidenum">
               <a:rPr lang="en-US" smtClean="0"/>
               <a:pPr/>
-              <a:t>15</a:t>
+              <a:t>13</a:t>
             </a:fld>
             <a:endParaRPr lang="en-US" dirty="0"/>
           </a:p>
@@ -3854,171 +3446,6 @@
 </file>
 
 <file path=ppt/notesSlides/notesSlide2.xml><?xml version="1.0" encoding="utf-8"?>
-<p:notes xmlns:a="http://schemas.openxmlformats.org/drawingml/2006/main" xmlns:r="http://schemas.openxmlformats.org/officeDocument/2006/relationships" xmlns:p="http://schemas.openxmlformats.org/presentationml/2006/main">
-  <p:cSld>
-    <p:spTree>
-      <p:nvGrpSpPr>
-        <p:cNvPr id="1" name=""/>
-        <p:cNvGrpSpPr/>
-        <p:nvPr/>
-      </p:nvGrpSpPr>
-      <p:grpSpPr>
-        <a:xfrm>
-          <a:off x="0" y="0"/>
-          <a:ext cx="0" cy="0"/>
-          <a:chOff x="0" y="0"/>
-          <a:chExt cx="0" cy="0"/>
-        </a:xfrm>
-      </p:grpSpPr>
-      <p:sp>
-        <p:nvSpPr>
-          <p:cNvPr id="2" name="Slide Image Placeholder 1"/>
-          <p:cNvSpPr>
-            <a:spLocks noGrp="1" noRot="1" noChangeAspect="1"/>
-          </p:cNvSpPr>
-          <p:nvPr>
-            <p:ph type="sldImg"/>
-          </p:nvPr>
-        </p:nvSpPr>
-        <p:spPr/>
-      </p:sp>
-      <p:sp>
-        <p:nvSpPr>
-          <p:cNvPr id="3" name="Notes Placeholder 2"/>
-          <p:cNvSpPr>
-            <a:spLocks noGrp="1"/>
-          </p:cNvSpPr>
-          <p:nvPr>
-            <p:ph type="body" idx="1"/>
-          </p:nvPr>
-        </p:nvSpPr>
-        <p:spPr/>
-        <p:txBody>
-          <a:bodyPr/>
-          <a:lstStyle/>
-          <a:p>
-            <a:endParaRPr lang="en-US" dirty="0"/>
-          </a:p>
-        </p:txBody>
-      </p:sp>
-      <p:sp>
-        <p:nvSpPr>
-          <p:cNvPr id="4" name="Header Placeholder 3"/>
-          <p:cNvSpPr>
-            <a:spLocks noGrp="1"/>
-          </p:cNvSpPr>
-          <p:nvPr>
-            <p:ph type="hdr" sz="quarter" idx="10"/>
-          </p:nvPr>
-        </p:nvSpPr>
-        <p:spPr/>
-        <p:txBody>
-          <a:bodyPr/>
-          <a:lstStyle/>
-          <a:p>
-            <a:endParaRPr lang="en-US" dirty="0"/>
-          </a:p>
-        </p:txBody>
-      </p:sp>
-      <p:sp>
-        <p:nvSpPr>
-          <p:cNvPr id="5" name="Footer Placeholder 4"/>
-          <p:cNvSpPr>
-            <a:spLocks noGrp="1"/>
-          </p:cNvSpPr>
-          <p:nvPr>
-            <p:ph type="ftr" sz="quarter" idx="11"/>
-          </p:nvPr>
-        </p:nvSpPr>
-        <p:spPr/>
-        <p:txBody>
-          <a:bodyPr/>
-          <a:lstStyle/>
-          <a:p>
-            <a:pPr defTabSz="914099" eaLnBrk="0" hangingPunct="0"/>
-            <a:r>
-              <a:rPr lang="en-US" sz="400" dirty="0">
-                <a:gradFill>
-                  <a:gsLst>
-                    <a:gs pos="0">
-                      <a:prstClr val="black"/>
-                    </a:gs>
-                    <a:gs pos="100000">
-                      <a:prstClr val="black"/>
-                    </a:gs>
-                  </a:gsLst>
-                  <a:lin ang="5400000" scaled="0"/>
-                </a:gradFill>
-                <a:latin typeface="Segoe UI" pitchFamily="34" charset="0"/>
-                <a:ea typeface="Segoe UI" pitchFamily="34" charset="0"/>
-                <a:cs typeface="Segoe UI" pitchFamily="34" charset="0"/>
-              </a:rPr>
-              <a:t>© Microsoft Corporation. All rights reserved. MICROSOFT MAKES NO WARRANTIES, EXPRESS, IMPLIED OR STATUTORY, AS TO THE INFORMATION IN THIS PRESENTATION.</a:t>
-            </a:r>
-          </a:p>
-        </p:txBody>
-      </p:sp>
-      <p:sp>
-        <p:nvSpPr>
-          <p:cNvPr id="6" name="Date Placeholder 5"/>
-          <p:cNvSpPr>
-            <a:spLocks noGrp="1"/>
-          </p:cNvSpPr>
-          <p:nvPr>
-            <p:ph type="dt" idx="12"/>
-          </p:nvPr>
-        </p:nvSpPr>
-        <p:spPr/>
-        <p:txBody>
-          <a:bodyPr/>
-          <a:lstStyle/>
-          <a:p>
-            <a:fld id="{72E0C910-0166-48E0-B8EF-5071277A02A8}" type="datetime8">
-              <a:rPr lang="en-US" smtClean="0"/>
-              <a:t>12/17/2018 9:14 AM</a:t>
-            </a:fld>
-            <a:endParaRPr lang="en-US" dirty="0"/>
-          </a:p>
-        </p:txBody>
-      </p:sp>
-      <p:sp>
-        <p:nvSpPr>
-          <p:cNvPr id="7" name="Slide Number Placeholder 6"/>
-          <p:cNvSpPr>
-            <a:spLocks noGrp="1"/>
-          </p:cNvSpPr>
-          <p:nvPr>
-            <p:ph type="sldNum" sz="quarter" idx="13"/>
-          </p:nvPr>
-        </p:nvSpPr>
-        <p:spPr/>
-        <p:txBody>
-          <a:bodyPr/>
-          <a:lstStyle/>
-          <a:p>
-            <a:fld id="{B4008EB6-D09E-4580-8CD6-DDB14511944F}" type="slidenum">
-              <a:rPr lang="en-US" smtClean="0"/>
-              <a:pPr/>
-              <a:t>2</a:t>
-            </a:fld>
-            <a:endParaRPr lang="en-US" dirty="0"/>
-          </a:p>
-        </p:txBody>
-      </p:sp>
-    </p:spTree>
-    <p:extLst>
-      <p:ext uri="{BB962C8B-B14F-4D97-AF65-F5344CB8AC3E}">
-        <p14:creationId xmlns:p14="http://schemas.microsoft.com/office/powerpoint/2010/main" val="1601089676"/>
-      </p:ext>
-    </p:extLst>
-  </p:cSld>
-  <p:clrMapOvr>
-    <a:masterClrMapping/>
-  </p:clrMapOvr>
-</p:notes>
-</file>
-
-<file path=ppt/notesSlides/notesSlide3.xml><?xml version="1.0" encoding="utf-8"?>
 <p:notes xmlns:a="http://schemas.openxmlformats.org/drawingml/2006/main" xmlns:r="http://schemas.openxmlformats.org/officeDocument/2006/relationships" xmlns:p="http://schemas.openxmlformats.org/presentationml/2006/main">
   <p:cSld>
     <p:spTree>
@@ -4106,6 +3533,20 @@
               <a:rPr lang="en-US" dirty="0"/>
               <a:t>New connected experiences</a:t>
             </a:r>
+          </a:p>
+          <a:p>
+            <a:pPr marL="0" indent="0">
+              <a:buFontTx/>
+              <a:buNone/>
+            </a:pPr>
+            <a:endParaRPr lang="en-US" dirty="0"/>
+          </a:p>
+          <a:p>
+            <a:pPr marL="0" indent="0">
+              <a:buFontTx/>
+              <a:buNone/>
+            </a:pPr>
+            <a:endParaRPr lang="en-US" dirty="0"/>
           </a:p>
           <a:p>
             <a:pPr marL="0" indent="0">
@@ -4341,7 +3782,7 @@
           <a:p>
             <a:fld id="{2D0AF0B6-AF0D-4EDB-B60E-27694EB68262}" type="datetime8">
               <a:rPr lang="en-US" smtClean="0"/>
-              <a:t>12/17/2018 9:14 AM</a:t>
+              <a:t>1/8/2019 9:47 AM</a:t>
             </a:fld>
             <a:endParaRPr lang="en-US" dirty="0"/>
           </a:p>
@@ -4384,7 +3825,7 @@
 </p:notes>
 </file>
 
-<file path=ppt/notesSlides/notesSlide4.xml><?xml version="1.0" encoding="utf-8"?>
+<file path=ppt/notesSlides/notesSlide3.xml><?xml version="1.0" encoding="utf-8"?>
 <p:notes xmlns:a="http://schemas.openxmlformats.org/drawingml/2006/main" xmlns:r="http://schemas.openxmlformats.org/officeDocument/2006/relationships" xmlns:p="http://schemas.openxmlformats.org/presentationml/2006/main">
   <p:cSld>
     <p:spTree>
@@ -4427,6 +3868,12 @@
         <p:txBody>
           <a:bodyPr/>
           <a:lstStyle/>
+          <a:p>
+            <a:r>
+              <a:rPr lang="en-US" dirty="0"/>
+              <a:t>How API management solves API related problems</a:t>
+            </a:r>
+          </a:p>
           <a:p>
             <a:r>
               <a:rPr lang="en-US" dirty="0"/>
@@ -4528,7 +3975,7 @@
           <a:p>
             <a:fld id="{386CE63F-9E7F-4C04-9D0D-FCA25A8E9E86}" type="datetime8">
               <a:rPr lang="en-US" smtClean="0"/>
-              <a:t>12/17/2018 9:14 AM</a:t>
+              <a:t>1/8/2019 9:47 AM</a:t>
             </a:fld>
             <a:endParaRPr lang="en-US" dirty="0"/>
           </a:p>
@@ -4562,6 +4009,171 @@
     <p:extLst>
       <p:ext uri="{BB962C8B-B14F-4D97-AF65-F5344CB8AC3E}">
         <p14:creationId xmlns:p14="http://schemas.microsoft.com/office/powerpoint/2010/main" val="55477188"/>
+      </p:ext>
+    </p:extLst>
+  </p:cSld>
+  <p:clrMapOvr>
+    <a:masterClrMapping/>
+  </p:clrMapOvr>
+</p:notes>
+</file>
+
+<file path=ppt/notesSlides/notesSlide4.xml><?xml version="1.0" encoding="utf-8"?>
+<p:notes xmlns:a="http://schemas.openxmlformats.org/drawingml/2006/main" xmlns:r="http://schemas.openxmlformats.org/officeDocument/2006/relationships" xmlns:p="http://schemas.openxmlformats.org/presentationml/2006/main">
+  <p:cSld>
+    <p:spTree>
+      <p:nvGrpSpPr>
+        <p:cNvPr id="1" name=""/>
+        <p:cNvGrpSpPr/>
+        <p:nvPr/>
+      </p:nvGrpSpPr>
+      <p:grpSpPr>
+        <a:xfrm>
+          <a:off x="0" y="0"/>
+          <a:ext cx="0" cy="0"/>
+          <a:chOff x="0" y="0"/>
+          <a:chExt cx="0" cy="0"/>
+        </a:xfrm>
+      </p:grpSpPr>
+      <p:sp>
+        <p:nvSpPr>
+          <p:cNvPr id="2" name="Slide Image Placeholder 1"/>
+          <p:cNvSpPr>
+            <a:spLocks noGrp="1" noRot="1" noChangeAspect="1"/>
+          </p:cNvSpPr>
+          <p:nvPr>
+            <p:ph type="sldImg"/>
+          </p:nvPr>
+        </p:nvSpPr>
+        <p:spPr/>
+      </p:sp>
+      <p:sp>
+        <p:nvSpPr>
+          <p:cNvPr id="3" name="Notes Placeholder 2"/>
+          <p:cNvSpPr>
+            <a:spLocks noGrp="1"/>
+          </p:cNvSpPr>
+          <p:nvPr>
+            <p:ph type="body" idx="1"/>
+          </p:nvPr>
+        </p:nvSpPr>
+        <p:spPr/>
+        <p:txBody>
+          <a:bodyPr/>
+          <a:lstStyle/>
+          <a:p>
+            <a:endParaRPr lang="en-US" dirty="0"/>
+          </a:p>
+        </p:txBody>
+      </p:sp>
+      <p:sp>
+        <p:nvSpPr>
+          <p:cNvPr id="4" name="Header Placeholder 3"/>
+          <p:cNvSpPr>
+            <a:spLocks noGrp="1"/>
+          </p:cNvSpPr>
+          <p:nvPr>
+            <p:ph type="hdr" sz="quarter" idx="10"/>
+          </p:nvPr>
+        </p:nvSpPr>
+        <p:spPr/>
+        <p:txBody>
+          <a:bodyPr/>
+          <a:lstStyle/>
+          <a:p>
+            <a:endParaRPr lang="en-US" dirty="0"/>
+          </a:p>
+        </p:txBody>
+      </p:sp>
+      <p:sp>
+        <p:nvSpPr>
+          <p:cNvPr id="5" name="Footer Placeholder 4"/>
+          <p:cNvSpPr>
+            <a:spLocks noGrp="1"/>
+          </p:cNvSpPr>
+          <p:nvPr>
+            <p:ph type="ftr" sz="quarter" idx="11"/>
+          </p:nvPr>
+        </p:nvSpPr>
+        <p:spPr/>
+        <p:txBody>
+          <a:bodyPr/>
+          <a:lstStyle/>
+          <a:p>
+            <a:pPr defTabSz="914099" eaLnBrk="0" hangingPunct="0"/>
+            <a:r>
+              <a:rPr lang="en-US" sz="400" dirty="0">
+                <a:gradFill>
+                  <a:gsLst>
+                    <a:gs pos="0">
+                      <a:prstClr val="black"/>
+                    </a:gs>
+                    <a:gs pos="100000">
+                      <a:prstClr val="black"/>
+                    </a:gs>
+                  </a:gsLst>
+                  <a:lin ang="5400000" scaled="0"/>
+                </a:gradFill>
+                <a:latin typeface="Segoe UI" pitchFamily="34" charset="0"/>
+                <a:ea typeface="Segoe UI" pitchFamily="34" charset="0"/>
+                <a:cs typeface="Segoe UI" pitchFamily="34" charset="0"/>
+              </a:rPr>
+              <a:t>© Microsoft Corporation. All rights reserved. MICROSOFT MAKES NO WARRANTIES, EXPRESS, IMPLIED OR STATUTORY, AS TO THE INFORMATION IN THIS PRESENTATION.</a:t>
+            </a:r>
+          </a:p>
+        </p:txBody>
+      </p:sp>
+      <p:sp>
+        <p:nvSpPr>
+          <p:cNvPr id="6" name="Date Placeholder 5"/>
+          <p:cNvSpPr>
+            <a:spLocks noGrp="1"/>
+          </p:cNvSpPr>
+          <p:nvPr>
+            <p:ph type="dt" idx="12"/>
+          </p:nvPr>
+        </p:nvSpPr>
+        <p:spPr/>
+        <p:txBody>
+          <a:bodyPr/>
+          <a:lstStyle/>
+          <a:p>
+            <a:fld id="{9427A7F7-BB1E-479D-AFAA-B52F4D0C99F2}" type="datetime8">
+              <a:rPr lang="en-US" smtClean="0"/>
+              <a:t>1/8/2019 9:47 AM</a:t>
+            </a:fld>
+            <a:endParaRPr lang="en-US" dirty="0"/>
+          </a:p>
+        </p:txBody>
+      </p:sp>
+      <p:sp>
+        <p:nvSpPr>
+          <p:cNvPr id="7" name="Slide Number Placeholder 6"/>
+          <p:cNvSpPr>
+            <a:spLocks noGrp="1"/>
+          </p:cNvSpPr>
+          <p:nvPr>
+            <p:ph type="sldNum" sz="quarter" idx="13"/>
+          </p:nvPr>
+        </p:nvSpPr>
+        <p:spPr/>
+        <p:txBody>
+          <a:bodyPr/>
+          <a:lstStyle/>
+          <a:p>
+            <a:fld id="{B4008EB6-D09E-4580-8CD6-DDB14511944F}" type="slidenum">
+              <a:rPr lang="en-US" smtClean="0"/>
+              <a:pPr/>
+              <a:t>5</a:t>
+            </a:fld>
+            <a:endParaRPr lang="en-US" dirty="0"/>
+          </a:p>
+        </p:txBody>
+      </p:sp>
+    </p:spTree>
+    <p:extLst>
+      <p:ext uri="{BB962C8B-B14F-4D97-AF65-F5344CB8AC3E}">
+        <p14:creationId xmlns:p14="http://schemas.microsoft.com/office/powerpoint/2010/main" val="3900639620"/>
       </p:ext>
     </p:extLst>
   </p:cSld>
@@ -4693,7 +4305,7 @@
           <a:p>
             <a:fld id="{9427A7F7-BB1E-479D-AFAA-B52F4D0C99F2}" type="datetime8">
               <a:rPr lang="en-US" smtClean="0"/>
-              <a:t>12/17/2018 9:14 AM</a:t>
+              <a:t>1/8/2019 9:47 AM</a:t>
             </a:fld>
             <a:endParaRPr lang="en-US" dirty="0"/>
           </a:p>
@@ -4717,7 +4329,7 @@
             <a:fld id="{B4008EB6-D09E-4580-8CD6-DDB14511944F}" type="slidenum">
               <a:rPr lang="en-US" smtClean="0"/>
               <a:pPr/>
-              <a:t>5</a:t>
+              <a:t>7</a:t>
             </a:fld>
             <a:endParaRPr lang="en-US" dirty="0"/>
           </a:p>
@@ -4726,7 +4338,7 @@
     </p:spTree>
     <p:extLst>
       <p:ext uri="{BB962C8B-B14F-4D97-AF65-F5344CB8AC3E}">
-        <p14:creationId xmlns:p14="http://schemas.microsoft.com/office/powerpoint/2010/main" val="2541753090"/>
+        <p14:creationId xmlns:p14="http://schemas.microsoft.com/office/powerpoint/2010/main" val="2532887202"/>
       </p:ext>
     </p:extLst>
   </p:cSld>
@@ -4858,7 +4470,7 @@
           <a:p>
             <a:fld id="{9427A7F7-BB1E-479D-AFAA-B52F4D0C99F2}" type="datetime8">
               <a:rPr lang="en-US" smtClean="0"/>
-              <a:t>12/17/2018 9:14 AM</a:t>
+              <a:t>1/8/2019 9:47 AM</a:t>
             </a:fld>
             <a:endParaRPr lang="en-US" dirty="0"/>
           </a:p>
@@ -4882,7 +4494,7 @@
             <a:fld id="{B4008EB6-D09E-4580-8CD6-DDB14511944F}" type="slidenum">
               <a:rPr lang="en-US" smtClean="0"/>
               <a:pPr/>
-              <a:t>6</a:t>
+              <a:t>8</a:t>
             </a:fld>
             <a:endParaRPr lang="en-US" dirty="0"/>
           </a:p>
@@ -4891,7 +4503,7 @@
     </p:spTree>
     <p:extLst>
       <p:ext uri="{BB962C8B-B14F-4D97-AF65-F5344CB8AC3E}">
-        <p14:creationId xmlns:p14="http://schemas.microsoft.com/office/powerpoint/2010/main" val="3900639620"/>
+        <p14:creationId xmlns:p14="http://schemas.microsoft.com/office/powerpoint/2010/main" val="2478411000"/>
       </p:ext>
     </p:extLst>
   </p:cSld>
@@ -5023,7 +4635,7 @@
           <a:p>
             <a:fld id="{9427A7F7-BB1E-479D-AFAA-B52F4D0C99F2}" type="datetime8">
               <a:rPr lang="en-US" smtClean="0"/>
-              <a:t>12/17/2018 9:14 AM</a:t>
+              <a:t>1/8/2019 9:47 AM</a:t>
             </a:fld>
             <a:endParaRPr lang="en-US" dirty="0"/>
           </a:p>
@@ -5047,7 +4659,7 @@
             <a:fld id="{B4008EB6-D09E-4580-8CD6-DDB14511944F}" type="slidenum">
               <a:rPr lang="en-US" smtClean="0"/>
               <a:pPr/>
-              <a:t>7</a:t>
+              <a:t>9</a:t>
             </a:fld>
             <a:endParaRPr lang="en-US" dirty="0"/>
           </a:p>
@@ -5056,7 +4668,7 @@
     </p:spTree>
     <p:extLst>
       <p:ext uri="{BB962C8B-B14F-4D97-AF65-F5344CB8AC3E}">
-        <p14:creationId xmlns:p14="http://schemas.microsoft.com/office/powerpoint/2010/main" val="2532887202"/>
+        <p14:creationId xmlns:p14="http://schemas.microsoft.com/office/powerpoint/2010/main" val="3883994215"/>
       </p:ext>
     </p:extLst>
   </p:cSld>
@@ -5188,7 +4800,7 @@
           <a:p>
             <a:fld id="{9427A7F7-BB1E-479D-AFAA-B52F4D0C99F2}" type="datetime8">
               <a:rPr lang="en-US" smtClean="0"/>
-              <a:t>12/17/2018 9:14 AM</a:t>
+              <a:t>1/8/2019 9:47 AM</a:t>
             </a:fld>
             <a:endParaRPr lang="en-US" dirty="0"/>
           </a:p>
@@ -5212,7 +4824,7 @@
             <a:fld id="{B4008EB6-D09E-4580-8CD6-DDB14511944F}" type="slidenum">
               <a:rPr lang="en-US" smtClean="0"/>
               <a:pPr/>
-              <a:t>8</a:t>
+              <a:t>10</a:t>
             </a:fld>
             <a:endParaRPr lang="en-US" dirty="0"/>
           </a:p>
@@ -5221,7 +4833,7 @@
     </p:spTree>
     <p:extLst>
       <p:ext uri="{BB962C8B-B14F-4D97-AF65-F5344CB8AC3E}">
-        <p14:creationId xmlns:p14="http://schemas.microsoft.com/office/powerpoint/2010/main" val="2478411000"/>
+        <p14:creationId xmlns:p14="http://schemas.microsoft.com/office/powerpoint/2010/main" val="2824950304"/>
       </p:ext>
     </p:extLst>
   </p:cSld>
@@ -5353,7 +4965,7 @@
           <a:p>
             <a:fld id="{9427A7F7-BB1E-479D-AFAA-B52F4D0C99F2}" type="datetime8">
               <a:rPr lang="en-US" smtClean="0"/>
-              <a:t>12/17/2018 9:14 AM</a:t>
+              <a:t>1/8/2019 9:47 AM</a:t>
             </a:fld>
             <a:endParaRPr lang="en-US" dirty="0"/>
           </a:p>
@@ -5377,7 +4989,7 @@
             <a:fld id="{B4008EB6-D09E-4580-8CD6-DDB14511944F}" type="slidenum">
               <a:rPr lang="en-US" smtClean="0"/>
               <a:pPr/>
-              <a:t>9</a:t>
+              <a:t>11</a:t>
             </a:fld>
             <a:endParaRPr lang="en-US" dirty="0"/>
           </a:p>
@@ -5386,7 +4998,7 @@
     </p:spTree>
     <p:extLst>
       <p:ext uri="{BB962C8B-B14F-4D97-AF65-F5344CB8AC3E}">
-        <p14:creationId xmlns:p14="http://schemas.microsoft.com/office/powerpoint/2010/main" val="3883994215"/>
+        <p14:creationId xmlns:p14="http://schemas.microsoft.com/office/powerpoint/2010/main" val="3805129736"/>
       </p:ext>
     </p:extLst>
   </p:cSld>
@@ -19457,7 +19069,7 @@
           <p:cNvPr id="4" name="Title 3">
             <a:extLst>
               <a:ext uri="{FF2B5EF4-FFF2-40B4-BE49-F238E27FC236}">
-                <a16:creationId xmlns:a16="http://schemas.microsoft.com/office/drawing/2014/main" id="{D25A7097-F128-44C8-9EE0-1A9AAF0AF864}"/>
+                <a16:creationId xmlns:a16="http://schemas.microsoft.com/office/drawing/2014/main" id="{6E27EC1C-6C3A-424D-A7B4-DEA0AEF9236F}"/>
               </a:ext>
             </a:extLst>
           </p:cNvPr>
@@ -19468,78 +19080,94 @@
             <p:ph type="title"/>
           </p:nvPr>
         </p:nvSpPr>
-        <p:spPr>
-          <a:xfrm>
-            <a:off x="584200" y="2979778"/>
-            <a:ext cx="4572000" cy="553998"/>
-          </a:xfrm>
-        </p:spPr>
+        <p:spPr/>
         <p:txBody>
           <a:bodyPr/>
           <a:lstStyle/>
           <a:p>
-            <a:r>
-              <a:rPr lang="en-US" dirty="0"/>
-              <a:t>API Management</a:t>
-            </a:r>
+            <a:endParaRPr lang="de-CH"/>
           </a:p>
         </p:txBody>
       </p:sp>
-      <p:sp>
-        <p:nvSpPr>
-          <p:cNvPr id="5" name="Text Placeholder 4">
+      <p:pic>
+        <p:nvPicPr>
+          <p:cNvPr id="5" name="Picture Placeholder 7">
             <a:extLst>
               <a:ext uri="{FF2B5EF4-FFF2-40B4-BE49-F238E27FC236}">
-                <a16:creationId xmlns:a16="http://schemas.microsoft.com/office/drawing/2014/main" id="{C58039A1-50D4-4C5F-9F97-DB66C0E13CC7}"/>
+                <a16:creationId xmlns:a16="http://schemas.microsoft.com/office/drawing/2014/main" id="{DC6D3AA3-85AD-4848-8BA2-A74C96421CE5}"/>
               </a:ext>
             </a:extLst>
           </p:cNvPr>
-          <p:cNvSpPr>
-            <a:spLocks noGrp="1"/>
-          </p:cNvSpPr>
-          <p:nvPr>
-            <p:ph type="body" sz="quarter" idx="12"/>
-          </p:nvPr>
-        </p:nvSpPr>
+          <p:cNvPicPr>
+            <a:picLocks noChangeAspect="1"/>
+          </p:cNvPicPr>
+          <p:nvPr/>
+        </p:nvPicPr>
+        <p:blipFill>
+          <a:blip r:embed="rId2">
+            <a:extLst>
+              <a:ext uri="{28A0092B-C50C-407E-A947-70E740481C1C}">
+                <a14:useLocalDpi xmlns:a14="http://schemas.microsoft.com/office/drawing/2010/main" val="0"/>
+              </a:ext>
+            </a:extLst>
+          </a:blip>
+          <a:srcRect t="2128" b="2128"/>
+          <a:stretch>
+            <a:fillRect/>
+          </a:stretch>
+        </p:blipFill>
         <p:spPr>
           <a:xfrm>
-            <a:off x="584200" y="4577953"/>
-            <a:ext cx="4572000" cy="1107996"/>
+            <a:off x="0" y="-18197"/>
+            <a:ext cx="12192000" cy="3429000"/>
           </a:xfrm>
+          <a:prstGeom prst="rect">
+            <a:avLst/>
+          </a:prstGeom>
         </p:spPr>
-        <p:txBody>
-          <a:bodyPr/>
-          <a:lstStyle/>
-          <a:p>
-            <a:endParaRPr lang="en-US" dirty="0"/>
-          </a:p>
-          <a:p>
-            <a:r>
-              <a:rPr lang="en-US" dirty="0" err="1"/>
-              <a:t>SignOn</a:t>
-            </a:r>
-            <a:r>
-              <a:rPr lang="en-US" dirty="0"/>
-              <a:t> 2019</a:t>
-            </a:r>
-          </a:p>
-          <a:p>
-            <a:r>
-              <a:rPr lang="en-US" dirty="0"/>
-              <a:t>Raphael Bickel</a:t>
-            </a:r>
-          </a:p>
-          <a:p>
-            <a:endParaRPr lang="en-US" sz="1200" dirty="0"/>
-          </a:p>
-        </p:txBody>
-      </p:sp>
+      </p:pic>
+      <p:pic>
+        <p:nvPicPr>
+          <p:cNvPr id="6" name="Picture 5">
+            <a:extLst>
+              <a:ext uri="{FF2B5EF4-FFF2-40B4-BE49-F238E27FC236}">
+                <a16:creationId xmlns:a16="http://schemas.microsoft.com/office/drawing/2014/main" id="{68AA5723-D8C9-41AB-B169-E7DD988D12BD}"/>
+              </a:ext>
+            </a:extLst>
+          </p:cNvPr>
+          <p:cNvPicPr>
+            <a:picLocks noChangeAspect="1"/>
+          </p:cNvPicPr>
+          <p:nvPr/>
+        </p:nvPicPr>
+        <p:blipFill>
+          <a:blip r:embed="rId3" cstate="print">
+            <a:extLst>
+              <a:ext uri="{28A0092B-C50C-407E-A947-70E740481C1C}">
+                <a14:useLocalDpi xmlns:a14="http://schemas.microsoft.com/office/drawing/2010/main" val="0"/>
+              </a:ext>
+            </a:extLst>
+          </a:blip>
+          <a:stretch>
+            <a:fillRect/>
+          </a:stretch>
+        </p:blipFill>
+        <p:spPr>
+          <a:xfrm>
+            <a:off x="9359784" y="4918848"/>
+            <a:ext cx="2169911" cy="1429963"/>
+          </a:xfrm>
+          <a:prstGeom prst="rect">
+            <a:avLst/>
+          </a:prstGeom>
+        </p:spPr>
+      </p:pic>
       <p:sp>
         <p:nvSpPr>
-          <p:cNvPr id="6" name="Text Placeholder 4">
+          <p:cNvPr id="7" name="Title 2">
             <a:extLst>
               <a:ext uri="{FF2B5EF4-FFF2-40B4-BE49-F238E27FC236}">
-                <a16:creationId xmlns:a16="http://schemas.microsoft.com/office/drawing/2014/main" id="{44977194-60DB-4F3B-8B5F-A6C723FA46F6}"/>
+                <a16:creationId xmlns:a16="http://schemas.microsoft.com/office/drawing/2014/main" id="{2C543774-CD8B-4743-8E78-02C88B57DD3C}"/>
               </a:ext>
             </a:extLst>
           </p:cNvPr>
@@ -19550,25 +19178,113 @@
         </p:nvSpPr>
         <p:spPr>
           <a:xfrm>
-            <a:off x="584200" y="3962400"/>
-            <a:ext cx="4895850" cy="615553"/>
+            <a:off x="609600" y="3866625"/>
+            <a:ext cx="10972800" cy="1107996"/>
           </a:xfrm>
           <a:prstGeom prst="rect">
             <a:avLst/>
           </a:prstGeom>
-          <a:noFill/>
+          <a:blipFill dpi="0" rotWithShape="1">
+            <a:blip r:embed="rId4">
+              <a:extLst>
+                <a:ext uri="{28A0092B-C50C-407E-A947-70E740481C1C}">
+                  <a14:useLocalDpi xmlns:a14="http://schemas.microsoft.com/office/drawing/2010/main" val="0"/>
+                </a:ext>
+              </a:extLst>
+            </a:blip>
+            <a:srcRect/>
+            <a:stretch>
+              <a:fillRect/>
+            </a:stretch>
+          </a:blipFill>
         </p:spPr>
         <p:txBody>
-          <a:bodyPr vert="horz" wrap="square" lIns="0" tIns="0" rIns="0" bIns="0" rtlCol="0">
+          <a:bodyPr vert="horz" wrap="square" lIns="0" tIns="0" rIns="0" bIns="0" rtlCol="0" anchor="t">
             <a:spAutoFit/>
           </a:bodyPr>
           <a:lstStyle>
-            <a:lvl1pPr marL="0" marR="0" indent="0" algn="l" defTabSz="932742" rtl="0" eaLnBrk="1" fontAlgn="auto" latinLnBrk="0" hangingPunct="1">
+            <a:lvl1pPr algn="l" defTabSz="932742" rtl="0" eaLnBrk="1" latinLnBrk="0" hangingPunct="1">
               <a:lnSpc>
                 <a:spcPct val="100000"/>
               </a:lnSpc>
               <a:spcBef>
-                <a:spcPts val="0"/>
+                <a:spcPct val="0"/>
+              </a:spcBef>
+              <a:buNone/>
+              <a:defRPr lang="en-US" sz="3600" b="0" kern="1200" cap="none" spc="-50" baseline="0">
+                <a:ln w="3175">
+                  <a:noFill/>
+                </a:ln>
+                <a:gradFill>
+                  <a:gsLst>
+                    <a:gs pos="1250">
+                      <a:schemeClr val="tx1"/>
+                    </a:gs>
+                    <a:gs pos="100000">
+                      <a:schemeClr val="tx1"/>
+                    </a:gs>
+                  </a:gsLst>
+                  <a:lin ang="5400000" scaled="0"/>
+                </a:gradFill>
+                <a:effectLst/>
+                <a:latin typeface="+mj-lt"/>
+                <a:ea typeface="+mn-ea"/>
+                <a:cs typeface="Segoe UI" pitchFamily="34" charset="0"/>
+              </a:defRPr>
+            </a:lvl1pPr>
+          </a:lstStyle>
+          <a:p>
+            <a:r>
+              <a:rPr lang="en-US" dirty="0"/>
+              <a:t>  API Management</a:t>
+            </a:r>
+          </a:p>
+          <a:p>
+            <a:r>
+              <a:rPr lang="en-US" dirty="0"/>
+              <a:t>  </a:t>
+            </a:r>
+            <a:r>
+              <a:rPr lang="en-US" sz="2000" dirty="0"/>
+              <a:t>Publish, manage, secure, and analyze your APIs in minutes</a:t>
+            </a:r>
+          </a:p>
+        </p:txBody>
+      </p:sp>
+      <p:sp>
+        <p:nvSpPr>
+          <p:cNvPr id="8" name="Text Placeholder 3">
+            <a:extLst>
+              <a:ext uri="{FF2B5EF4-FFF2-40B4-BE49-F238E27FC236}">
+                <a16:creationId xmlns:a16="http://schemas.microsoft.com/office/drawing/2014/main" id="{3D15D008-55FA-45CF-A111-F77CF7A4887E}"/>
+              </a:ext>
+            </a:extLst>
+          </p:cNvPr>
+          <p:cNvSpPr txBox="1">
+            <a:spLocks/>
+          </p:cNvSpPr>
+          <p:nvPr/>
+        </p:nvSpPr>
+        <p:spPr>
+          <a:xfrm>
+            <a:off x="762004" y="5836372"/>
+            <a:ext cx="7391402" cy="518391"/>
+          </a:xfrm>
+          <a:prstGeom prst="rect">
+            <a:avLst/>
+          </a:prstGeom>
+        </p:spPr>
+        <p:txBody>
+          <a:bodyPr>
+            <a:normAutofit/>
+          </a:bodyPr>
+          <a:lstStyle>
+            <a:lvl1pPr marL="228600" marR="0" indent="-228600" algn="l" defTabSz="932742" rtl="0" eaLnBrk="1" fontAlgn="auto" latinLnBrk="0" hangingPunct="1">
+              <a:lnSpc>
+                <a:spcPct val="100000"/>
+              </a:lnSpc>
+              <a:spcBef>
+                <a:spcPct val="20000"/>
               </a:spcBef>
               <a:spcAft>
                 <a:spcPts val="0"/>
@@ -19576,23 +19292,15 @@
               <a:buClrTx/>
               <a:buSzPct val="90000"/>
               <a:buFont typeface="Wingdings" panose="05000000000000000000" pitchFamily="2" charset="2"/>
-              <a:buNone/>
+              <a:buChar char=""/>
               <a:tabLst/>
-              <a:defRPr sz="2000" kern="1200" spc="0" baseline="0">
-                <a:gradFill>
-                  <a:gsLst>
-                    <a:gs pos="91000">
-                      <a:schemeClr val="tx1"/>
-                    </a:gs>
-                    <a:gs pos="0">
-                      <a:schemeClr val="tx1"/>
-                    </a:gs>
-                  </a:gsLst>
-                  <a:lin ang="5400000" scaled="0"/>
-                </a:gradFill>
-                <a:latin typeface="+mn-lt"/>
+              <a:defRPr sz="1800" kern="1200" spc="0" baseline="0">
+                <a:solidFill>
+                  <a:schemeClr val="tx2"/>
+                </a:solidFill>
+                <a:latin typeface="Segoe UI Semilight" panose="020B0402040204020203" pitchFamily="34" charset="0"/>
                 <a:ea typeface="+mn-ea"/>
-                <a:cs typeface="Segoe UI" panose="020B0502040204020203" pitchFamily="34" charset="0"/>
+                <a:cs typeface="Segoe UI Semilight" panose="020B0402040204020203" pitchFamily="34" charset="0"/>
               </a:defRPr>
             </a:lvl1pPr>
             <a:lvl2pPr marL="457200" marR="0" indent="-228600" algn="l" defTabSz="932742" rtl="0" eaLnBrk="1" fontAlgn="auto" latinLnBrk="0" hangingPunct="1">
@@ -19785,35 +19493,330 @@
             </a:lvl9pPr>
           </a:lstStyle>
           <a:p>
+            <a:pPr marL="0" indent="0">
+              <a:buNone/>
+            </a:pPr>
             <a:r>
               <a:rPr lang="en-US" dirty="0"/>
-              <a:t>Publish, manage, secure, and analyze your APIs in minutes</a:t>
+              <a:t>January 19</a:t>
+            </a:r>
+            <a:r>
+              <a:rPr lang="en-US" baseline="30000" dirty="0"/>
+              <a:t>th</a:t>
+            </a:r>
+            <a:r>
+              <a:rPr lang="en-US" dirty="0"/>
+              <a:t>, 2019</a:t>
             </a:r>
           </a:p>
         </p:txBody>
       </p:sp>
+      <p:sp>
+        <p:nvSpPr>
+          <p:cNvPr id="9" name="Text Placeholder 5">
+            <a:extLst>
+              <a:ext uri="{FF2B5EF4-FFF2-40B4-BE49-F238E27FC236}">
+                <a16:creationId xmlns:a16="http://schemas.microsoft.com/office/drawing/2014/main" id="{345D0431-ADE3-4CC5-A221-7E7D1F26AF1E}"/>
+              </a:ext>
+            </a:extLst>
+          </p:cNvPr>
+          <p:cNvSpPr txBox="1">
+            <a:spLocks/>
+          </p:cNvSpPr>
+          <p:nvPr/>
+        </p:nvSpPr>
+        <p:spPr>
+          <a:xfrm>
+            <a:off x="762003" y="5275985"/>
+            <a:ext cx="7391403" cy="560387"/>
+          </a:xfrm>
+          <a:prstGeom prst="rect">
+            <a:avLst/>
+          </a:prstGeom>
+        </p:spPr>
+        <p:txBody>
+          <a:bodyPr>
+            <a:normAutofit/>
+          </a:bodyPr>
+          <a:lstStyle>
+            <a:lvl1pPr marL="228600" marR="0" indent="-228600" algn="l" defTabSz="932742" rtl="0" eaLnBrk="1" fontAlgn="auto" latinLnBrk="0" hangingPunct="1">
+              <a:lnSpc>
+                <a:spcPct val="100000"/>
+              </a:lnSpc>
+              <a:spcBef>
+                <a:spcPct val="20000"/>
+              </a:spcBef>
+              <a:spcAft>
+                <a:spcPts val="0"/>
+              </a:spcAft>
+              <a:buClrTx/>
+              <a:buSzPct val="90000"/>
+              <a:buFont typeface="Wingdings" panose="05000000000000000000" pitchFamily="2" charset="2"/>
+              <a:buChar char=""/>
+              <a:tabLst/>
+              <a:defRPr sz="2200" kern="1200" spc="0" baseline="0">
+                <a:solidFill>
+                  <a:schemeClr val="tx2"/>
+                </a:solidFill>
+                <a:latin typeface="Segoe UI Semilight" panose="020B0402040204020203" pitchFamily="34" charset="0"/>
+                <a:ea typeface="+mn-ea"/>
+                <a:cs typeface="Segoe UI Semilight" panose="020B0402040204020203" pitchFamily="34" charset="0"/>
+              </a:defRPr>
+            </a:lvl1pPr>
+            <a:lvl2pPr marL="457200" marR="0" indent="-228600" algn="l" defTabSz="932742" rtl="0" eaLnBrk="1" fontAlgn="auto" latinLnBrk="0" hangingPunct="1">
+              <a:lnSpc>
+                <a:spcPct val="100000"/>
+              </a:lnSpc>
+              <a:spcBef>
+                <a:spcPct val="20000"/>
+              </a:spcBef>
+              <a:spcAft>
+                <a:spcPts val="0"/>
+              </a:spcAft>
+              <a:buClrTx/>
+              <a:buSzPct val="90000"/>
+              <a:buFont typeface="Wingdings" panose="05000000000000000000" pitchFamily="2" charset="2"/>
+              <a:buChar char=""/>
+              <a:tabLst/>
+              <a:defRPr sz="2000" kern="1200" spc="0" baseline="0">
+                <a:gradFill>
+                  <a:gsLst>
+                    <a:gs pos="1250">
+                      <a:schemeClr val="tx1"/>
+                    </a:gs>
+                    <a:gs pos="100000">
+                      <a:schemeClr val="tx1"/>
+                    </a:gs>
+                  </a:gsLst>
+                  <a:lin ang="5400000" scaled="0"/>
+                </a:gradFill>
+                <a:latin typeface="+mn-lt"/>
+                <a:ea typeface="+mn-ea"/>
+                <a:cs typeface="+mn-cs"/>
+              </a:defRPr>
+            </a:lvl2pPr>
+            <a:lvl3pPr marL="657225" marR="0" indent="-200025" algn="l" defTabSz="932742" rtl="0" eaLnBrk="1" fontAlgn="auto" latinLnBrk="0" hangingPunct="1">
+              <a:lnSpc>
+                <a:spcPct val="100000"/>
+              </a:lnSpc>
+              <a:spcBef>
+                <a:spcPct val="20000"/>
+              </a:spcBef>
+              <a:spcAft>
+                <a:spcPts val="0"/>
+              </a:spcAft>
+              <a:buClrTx/>
+              <a:buSzPct val="90000"/>
+              <a:buFont typeface="Wingdings" panose="05000000000000000000" pitchFamily="2" charset="2"/>
+              <a:buChar char=""/>
+              <a:tabLst/>
+              <a:defRPr sz="1600" kern="1200" spc="0" baseline="0">
+                <a:gradFill>
+                  <a:gsLst>
+                    <a:gs pos="1250">
+                      <a:schemeClr val="tx1"/>
+                    </a:gs>
+                    <a:gs pos="100000">
+                      <a:schemeClr val="tx1"/>
+                    </a:gs>
+                  </a:gsLst>
+                  <a:lin ang="5400000" scaled="0"/>
+                </a:gradFill>
+                <a:latin typeface="+mn-lt"/>
+                <a:ea typeface="+mn-ea"/>
+                <a:cs typeface="+mn-cs"/>
+              </a:defRPr>
+            </a:lvl3pPr>
+            <a:lvl4pPr marL="842963" marR="0" indent="-180975" algn="l" defTabSz="932742" rtl="0" eaLnBrk="1" fontAlgn="auto" latinLnBrk="0" hangingPunct="1">
+              <a:lnSpc>
+                <a:spcPct val="100000"/>
+              </a:lnSpc>
+              <a:spcBef>
+                <a:spcPct val="20000"/>
+              </a:spcBef>
+              <a:spcAft>
+                <a:spcPts val="0"/>
+              </a:spcAft>
+              <a:buClrTx/>
+              <a:buSzPct val="90000"/>
+              <a:buFont typeface="Wingdings" panose="05000000000000000000" pitchFamily="2" charset="2"/>
+              <a:buChar char=""/>
+              <a:tabLst/>
+              <a:defRPr sz="1400" kern="1200" spc="0" baseline="0">
+                <a:gradFill>
+                  <a:gsLst>
+                    <a:gs pos="1250">
+                      <a:schemeClr val="tx1"/>
+                    </a:gs>
+                    <a:gs pos="100000">
+                      <a:schemeClr val="tx1"/>
+                    </a:gs>
+                  </a:gsLst>
+                  <a:lin ang="5400000" scaled="0"/>
+                </a:gradFill>
+                <a:latin typeface="+mn-lt"/>
+                <a:ea typeface="+mn-ea"/>
+                <a:cs typeface="+mn-cs"/>
+              </a:defRPr>
+            </a:lvl4pPr>
+            <a:lvl5pPr marL="1023938" marR="0" indent="-168275" algn="l" defTabSz="932742" rtl="0" eaLnBrk="1" fontAlgn="auto" latinLnBrk="0" hangingPunct="1">
+              <a:lnSpc>
+                <a:spcPct val="100000"/>
+              </a:lnSpc>
+              <a:spcBef>
+                <a:spcPct val="20000"/>
+              </a:spcBef>
+              <a:spcAft>
+                <a:spcPts val="0"/>
+              </a:spcAft>
+              <a:buClrTx/>
+              <a:buSzPct val="90000"/>
+              <a:buFont typeface="Wingdings" panose="05000000000000000000" pitchFamily="2" charset="2"/>
+              <a:buChar char=""/>
+              <a:tabLst/>
+              <a:defRPr sz="1400" kern="1200" spc="0" baseline="0">
+                <a:gradFill>
+                  <a:gsLst>
+                    <a:gs pos="1250">
+                      <a:schemeClr val="tx1"/>
+                    </a:gs>
+                    <a:gs pos="100000">
+                      <a:schemeClr val="tx1"/>
+                    </a:gs>
+                  </a:gsLst>
+                  <a:lin ang="5400000" scaled="0"/>
+                </a:gradFill>
+                <a:latin typeface="+mn-lt"/>
+                <a:ea typeface="+mn-ea"/>
+                <a:cs typeface="+mn-cs"/>
+              </a:defRPr>
+            </a:lvl5pPr>
+            <a:lvl6pPr marL="2565040" indent="-233186" algn="l" defTabSz="932742" rtl="0" eaLnBrk="1" latinLnBrk="0" hangingPunct="1">
+              <a:spcBef>
+                <a:spcPct val="20000"/>
+              </a:spcBef>
+              <a:buFont typeface="Arial" pitchFamily="34" charset="0"/>
+              <a:buChar char="•"/>
+              <a:defRPr sz="2000" kern="1200">
+                <a:solidFill>
+                  <a:schemeClr val="tx1"/>
+                </a:solidFill>
+                <a:latin typeface="+mn-lt"/>
+                <a:ea typeface="+mn-ea"/>
+                <a:cs typeface="+mn-cs"/>
+              </a:defRPr>
+            </a:lvl6pPr>
+            <a:lvl7pPr marL="3031412" indent="-233186" algn="l" defTabSz="932742" rtl="0" eaLnBrk="1" latinLnBrk="0" hangingPunct="1">
+              <a:spcBef>
+                <a:spcPct val="20000"/>
+              </a:spcBef>
+              <a:buFont typeface="Arial" pitchFamily="34" charset="0"/>
+              <a:buChar char="•"/>
+              <a:defRPr sz="2000" kern="1200">
+                <a:solidFill>
+                  <a:schemeClr val="tx1"/>
+                </a:solidFill>
+                <a:latin typeface="+mn-lt"/>
+                <a:ea typeface="+mn-ea"/>
+                <a:cs typeface="+mn-cs"/>
+              </a:defRPr>
+            </a:lvl7pPr>
+            <a:lvl8pPr marL="3497783" indent="-233186" algn="l" defTabSz="932742" rtl="0" eaLnBrk="1" latinLnBrk="0" hangingPunct="1">
+              <a:spcBef>
+                <a:spcPct val="20000"/>
+              </a:spcBef>
+              <a:buFont typeface="Arial" pitchFamily="34" charset="0"/>
+              <a:buChar char="•"/>
+              <a:defRPr sz="2000" kern="1200">
+                <a:solidFill>
+                  <a:schemeClr val="tx1"/>
+                </a:solidFill>
+                <a:latin typeface="+mn-lt"/>
+                <a:ea typeface="+mn-ea"/>
+                <a:cs typeface="+mn-cs"/>
+              </a:defRPr>
+            </a:lvl8pPr>
+            <a:lvl9pPr marL="3964155" indent="-233186" algn="l" defTabSz="932742" rtl="0" eaLnBrk="1" latinLnBrk="0" hangingPunct="1">
+              <a:spcBef>
+                <a:spcPct val="20000"/>
+              </a:spcBef>
+              <a:buFont typeface="Arial" pitchFamily="34" charset="0"/>
+              <a:buChar char="•"/>
+              <a:defRPr sz="2000" kern="1200">
+                <a:solidFill>
+                  <a:schemeClr val="tx1"/>
+                </a:solidFill>
+                <a:latin typeface="+mn-lt"/>
+                <a:ea typeface="+mn-ea"/>
+                <a:cs typeface="+mn-cs"/>
+              </a:defRPr>
+            </a:lvl9pPr>
+          </a:lstStyle>
+          <a:p>
+            <a:pPr marL="0" indent="0">
+              <a:buNone/>
+            </a:pPr>
+            <a:r>
+              <a:rPr lang="en-US" dirty="0"/>
+              <a:t>Raphael Bickel | </a:t>
+            </a:r>
+            <a:r>
+              <a:rPr lang="en-US" i="1" dirty="0"/>
+              <a:t>Cloud Solution Architect </a:t>
+            </a:r>
+            <a:r>
+              <a:rPr lang="en-US" dirty="0"/>
+              <a:t>| Microsoft</a:t>
+            </a:r>
+          </a:p>
+          <a:p>
+            <a:endParaRPr lang="en-US" dirty="0"/>
+          </a:p>
+        </p:txBody>
+      </p:sp>
+      <p:pic>
+        <p:nvPicPr>
+          <p:cNvPr id="11" name="Picture 10">
+            <a:extLst>
+              <a:ext uri="{FF2B5EF4-FFF2-40B4-BE49-F238E27FC236}">
+                <a16:creationId xmlns:a16="http://schemas.microsoft.com/office/drawing/2014/main" id="{B4D4DAF5-6D43-4AF7-9538-C09EBFDB6F4D}"/>
+              </a:ext>
+            </a:extLst>
+          </p:cNvPr>
+          <p:cNvPicPr>
+            <a:picLocks noChangeAspect="1"/>
+          </p:cNvPicPr>
+          <p:nvPr/>
+        </p:nvPicPr>
+        <p:blipFill>
+          <a:blip r:embed="rId5"/>
+          <a:stretch>
+            <a:fillRect/>
+          </a:stretch>
+        </p:blipFill>
+        <p:spPr>
+          <a:xfrm>
+            <a:off x="8596275" y="3574294"/>
+            <a:ext cx="3482513" cy="1560887"/>
+          </a:xfrm>
+          <a:prstGeom prst="rect">
+            <a:avLst/>
+          </a:prstGeom>
+        </p:spPr>
+      </p:pic>
     </p:spTree>
     <p:extLst>
       <p:ext uri="{BB962C8B-B14F-4D97-AF65-F5344CB8AC3E}">
-        <p14:creationId xmlns:p14="http://schemas.microsoft.com/office/powerpoint/2010/main" val="2799774971"/>
+        <p14:creationId xmlns:p14="http://schemas.microsoft.com/office/powerpoint/2010/main" val="621003970"/>
       </p:ext>
     </p:extLst>
   </p:cSld>
   <p:clrMapOvr>
     <a:masterClrMapping/>
   </p:clrMapOvr>
-  <mc:AlternateContent xmlns:mc="http://schemas.openxmlformats.org/markup-compatibility/2006" xmlns:p14="http://schemas.microsoft.com/office/powerpoint/2010/main">
-    <mc:Choice Requires="p14">
-      <p:transition spd="med" p14:dur="700">
-        <p:fade/>
-      </p:transition>
-    </mc:Choice>
-    <mc:Fallback xmlns="">
-      <p:transition spd="med">
-        <p:fade/>
-      </p:transition>
-    </mc:Fallback>
-  </mc:AlternateContent>
+  <p:transition>
+    <p:fade/>
+  </p:transition>
 </p:sld>
 </file>
 
@@ -21831,166 +21834,6 @@
       </p:grpSpPr>
       <p:sp>
         <p:nvSpPr>
-          <p:cNvPr id="17" name="Title 16"/>
-          <p:cNvSpPr>
-            <a:spLocks noGrp="1"/>
-          </p:cNvSpPr>
-          <p:nvPr>
-            <p:ph type="title"/>
-          </p:nvPr>
-        </p:nvSpPr>
-        <p:spPr/>
-        <p:txBody>
-          <a:bodyPr/>
-          <a:lstStyle/>
-          <a:p>
-            <a:r>
-              <a:rPr lang="en-US" dirty="0"/>
-              <a:t>And more</a:t>
-            </a:r>
-          </a:p>
-        </p:txBody>
-      </p:sp>
-      <p:sp>
-        <p:nvSpPr>
-          <p:cNvPr id="6" name="Text Placeholder 5"/>
-          <p:cNvSpPr>
-            <a:spLocks noGrp="1"/>
-          </p:cNvSpPr>
-          <p:nvPr>
-            <p:ph type="body" sz="quarter" idx="10"/>
-          </p:nvPr>
-        </p:nvSpPr>
-        <p:spPr>
-          <a:xfrm>
-            <a:off x="584200" y="1435497"/>
-            <a:ext cx="11018520" cy="6044732"/>
-          </a:xfrm>
-        </p:spPr>
-        <p:txBody>
-          <a:bodyPr/>
-          <a:lstStyle/>
-          <a:p>
-            <a:r>
-              <a:rPr lang="en-US" dirty="0"/>
-              <a:t>Custom domains/SSL</a:t>
-            </a:r>
-          </a:p>
-          <a:p>
-            <a:r>
-              <a:rPr lang="en-US" dirty="0"/>
-              <a:t>Scaling</a:t>
-            </a:r>
-          </a:p>
-          <a:p>
-            <a:r>
-              <a:rPr lang="en-US" dirty="0"/>
-              <a:t>Multi-region</a:t>
-            </a:r>
-          </a:p>
-          <a:p>
-            <a:r>
-              <a:rPr lang="en-US" dirty="0"/>
-              <a:t>Developer dashboard</a:t>
-            </a:r>
-          </a:p>
-          <a:p>
-            <a:r>
-              <a:rPr lang="en-US" dirty="0"/>
-              <a:t>SDKs and samples</a:t>
-            </a:r>
-          </a:p>
-          <a:p>
-            <a:r>
-              <a:rPr lang="en-US" dirty="0"/>
-              <a:t>VPN</a:t>
-            </a:r>
-          </a:p>
-          <a:p>
-            <a:r>
-              <a:rPr lang="en-US" dirty="0"/>
-              <a:t>Backend authentication</a:t>
-            </a:r>
-          </a:p>
-          <a:p>
-            <a:pPr lvl="1"/>
-            <a:r>
-              <a:rPr lang="en-US" dirty="0"/>
-              <a:t>HTTP Basic</a:t>
-            </a:r>
-          </a:p>
-          <a:p>
-            <a:pPr lvl="1"/>
-            <a:r>
-              <a:rPr lang="en-US" dirty="0"/>
-              <a:t>Keys</a:t>
-            </a:r>
-          </a:p>
-          <a:p>
-            <a:pPr lvl="1"/>
-            <a:r>
-              <a:rPr lang="en-US" dirty="0"/>
-              <a:t>Client Certificate</a:t>
-            </a:r>
-          </a:p>
-          <a:p>
-            <a:pPr marL="228600" lvl="1" indent="0">
-              <a:buNone/>
-            </a:pPr>
-            <a:endParaRPr lang="en-US" dirty="0"/>
-          </a:p>
-          <a:p>
-            <a:endParaRPr lang="en-US" dirty="0"/>
-          </a:p>
-          <a:p>
-            <a:endParaRPr lang="en-US" dirty="0"/>
-          </a:p>
-        </p:txBody>
-      </p:sp>
-    </p:spTree>
-    <p:extLst>
-      <p:ext uri="{BB962C8B-B14F-4D97-AF65-F5344CB8AC3E}">
-        <p14:creationId xmlns:p14="http://schemas.microsoft.com/office/powerpoint/2010/main" val="1787043437"/>
-      </p:ext>
-    </p:extLst>
-  </p:cSld>
-  <p:clrMapOvr>
-    <a:masterClrMapping/>
-  </p:clrMapOvr>
-  <mc:AlternateContent xmlns:mc="http://schemas.openxmlformats.org/markup-compatibility/2006" xmlns:p14="http://schemas.microsoft.com/office/powerpoint/2010/main">
-    <mc:Choice Requires="p14">
-      <p:transition spd="med" p14:dur="700">
-        <p:fade/>
-      </p:transition>
-    </mc:Choice>
-    <mc:Fallback xmlns="">
-      <p:transition spd="med">
-        <p:fade/>
-      </p:transition>
-    </mc:Fallback>
-  </mc:AlternateContent>
-</p:sld>
-</file>
-
-<file path=ppt/slides/slide13.xml><?xml version="1.0" encoding="utf-8"?>
-<p:sld xmlns:a="http://schemas.openxmlformats.org/drawingml/2006/main" xmlns:r="http://schemas.openxmlformats.org/officeDocument/2006/relationships" xmlns:p="http://schemas.openxmlformats.org/presentationml/2006/main">
-  <p:cSld>
-    <p:spTree>
-      <p:nvGrpSpPr>
-        <p:cNvPr id="1" name=""/>
-        <p:cNvGrpSpPr/>
-        <p:nvPr/>
-      </p:nvGrpSpPr>
-      <p:grpSpPr>
-        <a:xfrm>
-          <a:off x="0" y="0"/>
-          <a:ext cx="0" cy="0"/>
-          <a:chOff x="0" y="0"/>
-          <a:chExt cx="0" cy="0"/>
-        </a:xfrm>
-      </p:grpSpPr>
-      <p:sp>
-        <p:nvSpPr>
           <p:cNvPr id="3" name="Title 2"/>
           <p:cNvSpPr>
             <a:spLocks noGrp="1"/>
@@ -22068,119 +21911,7 @@
 </p:sld>
 </file>
 
-<file path=ppt/slides/slide14.xml><?xml version="1.0" encoding="utf-8"?>
-<p:sld xmlns:a="http://schemas.openxmlformats.org/drawingml/2006/main" xmlns:r="http://schemas.openxmlformats.org/officeDocument/2006/relationships" xmlns:p="http://schemas.openxmlformats.org/presentationml/2006/main">
-  <p:cSld>
-    <p:spTree>
-      <p:nvGrpSpPr>
-        <p:cNvPr id="1" name=""/>
-        <p:cNvGrpSpPr/>
-        <p:nvPr/>
-      </p:nvGrpSpPr>
-      <p:grpSpPr>
-        <a:xfrm>
-          <a:off x="0" y="0"/>
-          <a:ext cx="0" cy="0"/>
-          <a:chOff x="0" y="0"/>
-          <a:chExt cx="0" cy="0"/>
-        </a:xfrm>
-      </p:grpSpPr>
-      <p:sp>
-        <p:nvSpPr>
-          <p:cNvPr id="17" name="Title 16"/>
-          <p:cNvSpPr>
-            <a:spLocks noGrp="1"/>
-          </p:cNvSpPr>
-          <p:nvPr>
-            <p:ph type="title"/>
-          </p:nvPr>
-        </p:nvSpPr>
-        <p:spPr>
-          <a:xfrm>
-            <a:off x="588263" y="457200"/>
-            <a:ext cx="11018520" cy="1107996"/>
-          </a:xfrm>
-        </p:spPr>
-        <p:txBody>
-          <a:bodyPr/>
-          <a:lstStyle/>
-          <a:p>
-            <a:r>
-              <a:rPr lang="en-US" dirty="0"/>
-              <a:t>Microsoft Open Banking Platform​ as a Service </a:t>
-            </a:r>
-            <a:br>
-              <a:rPr lang="en-US" dirty="0"/>
-            </a:br>
-            <a:r>
-              <a:rPr lang="en-US" dirty="0"/>
-              <a:t>and API’s</a:t>
-            </a:r>
-          </a:p>
-        </p:txBody>
-      </p:sp>
-      <p:pic>
-        <p:nvPicPr>
-          <p:cNvPr id="4" name="Picture 3">
-            <a:extLst>
-              <a:ext uri="{FF2B5EF4-FFF2-40B4-BE49-F238E27FC236}">
-                <a16:creationId xmlns:a16="http://schemas.microsoft.com/office/drawing/2014/main" id="{DB77ED8A-469F-4480-BE7D-CF8B2049A0D7}"/>
-              </a:ext>
-            </a:extLst>
-          </p:cNvPr>
-          <p:cNvPicPr>
-            <a:picLocks noChangeAspect="1"/>
-          </p:cNvPicPr>
-          <p:nvPr/>
-        </p:nvPicPr>
-        <p:blipFill>
-          <a:blip r:embed="rId3" cstate="email">
-            <a:extLst>
-              <a:ext uri="{28A0092B-C50C-407E-A947-70E740481C1C}">
-                <a14:useLocalDpi xmlns:a14="http://schemas.microsoft.com/office/drawing/2010/main"/>
-              </a:ext>
-            </a:extLst>
-          </a:blip>
-          <a:stretch>
-            <a:fillRect/>
-          </a:stretch>
-        </p:blipFill>
-        <p:spPr>
-          <a:xfrm>
-            <a:off x="386976" y="1501289"/>
-            <a:ext cx="11430000" cy="5212080"/>
-          </a:xfrm>
-          <a:prstGeom prst="rect">
-            <a:avLst/>
-          </a:prstGeom>
-        </p:spPr>
-      </p:pic>
-    </p:spTree>
-    <p:extLst>
-      <p:ext uri="{BB962C8B-B14F-4D97-AF65-F5344CB8AC3E}">
-        <p14:creationId xmlns:p14="http://schemas.microsoft.com/office/powerpoint/2010/main" val="1320867834"/>
-      </p:ext>
-    </p:extLst>
-  </p:cSld>
-  <p:clrMapOvr>
-    <a:masterClrMapping/>
-  </p:clrMapOvr>
-  <mc:AlternateContent xmlns:mc="http://schemas.openxmlformats.org/markup-compatibility/2006" xmlns:p14="http://schemas.microsoft.com/office/powerpoint/2010/main">
-    <mc:Choice Requires="p14">
-      <p:transition spd="med" p14:dur="700">
-        <p:fade/>
-      </p:transition>
-    </mc:Choice>
-    <mc:Fallback xmlns="">
-      <p:transition spd="med">
-        <p:fade/>
-      </p:transition>
-    </mc:Fallback>
-  </mc:AlternateContent>
-</p:sld>
-</file>
-
-<file path=ppt/slides/slide15.xml><?xml version="1.0" encoding="utf-8"?>
+<file path=ppt/slides/slide13.xml><?xml version="1.0" encoding="utf-8"?>
 <p:sld xmlns:a="http://schemas.openxmlformats.org/drawingml/2006/main" xmlns:r="http://schemas.openxmlformats.org/officeDocument/2006/relationships" xmlns:p="http://schemas.openxmlformats.org/presentationml/2006/main">
   <p:cSld>
     <p:spTree>
@@ -22664,6 +22395,95 @@
           </a:prstGeom>
         </p:spPr>
       </p:pic>
+      <p:sp>
+        <p:nvSpPr>
+          <p:cNvPr id="8" name="Title 2">
+            <a:extLst>
+              <a:ext uri="{FF2B5EF4-FFF2-40B4-BE49-F238E27FC236}">
+                <a16:creationId xmlns:a16="http://schemas.microsoft.com/office/drawing/2014/main" id="{8E28D85B-F2B7-4EB3-8AC7-F595A43167D1}"/>
+              </a:ext>
+            </a:extLst>
+          </p:cNvPr>
+          <p:cNvSpPr txBox="1">
+            <a:spLocks/>
+          </p:cNvSpPr>
+          <p:nvPr/>
+        </p:nvSpPr>
+        <p:spPr>
+          <a:xfrm>
+            <a:off x="585216" y="1153740"/>
+            <a:ext cx="9144000" cy="1772793"/>
+          </a:xfrm>
+          <a:prstGeom prst="rect">
+            <a:avLst/>
+          </a:prstGeom>
+          <a:noFill/>
+        </p:spPr>
+        <p:txBody>
+          <a:bodyPr vert="horz" wrap="square" lIns="0" tIns="0" rIns="0" bIns="0" rtlCol="0" anchor="t" anchorCtr="0">
+            <a:spAutoFit/>
+          </a:bodyPr>
+          <a:lstStyle>
+            <a:lvl1pPr algn="l" defTabSz="932742" rtl="0" eaLnBrk="1" latinLnBrk="0" hangingPunct="1">
+              <a:lnSpc>
+                <a:spcPct val="90000"/>
+              </a:lnSpc>
+              <a:spcBef>
+                <a:spcPct val="0"/>
+              </a:spcBef>
+              <a:buNone/>
+              <a:defRPr lang="en-US" sz="3600" b="0" kern="1200" cap="none" spc="-50" baseline="0" dirty="0">
+                <a:ln w="3175">
+                  <a:noFill/>
+                </a:ln>
+                <a:gradFill>
+                  <a:gsLst>
+                    <a:gs pos="62564">
+                      <a:schemeClr val="tx1"/>
+                    </a:gs>
+                    <a:gs pos="55000">
+                      <a:schemeClr val="tx1"/>
+                    </a:gs>
+                  </a:gsLst>
+                  <a:lin ang="5400000" scaled="0"/>
+                </a:gradFill>
+                <a:effectLst/>
+                <a:latin typeface="+mj-lt"/>
+                <a:ea typeface="+mn-ea"/>
+                <a:cs typeface="Segoe UI" pitchFamily="34" charset="0"/>
+              </a:defRPr>
+            </a:lvl1pPr>
+          </a:lstStyle>
+          <a:p>
+            <a:r>
+              <a:rPr lang="de-CH" sz="2800" dirty="0"/>
+              <a:t>Resources:</a:t>
+            </a:r>
+          </a:p>
+          <a:p>
+            <a:br>
+              <a:rPr lang="de-CH" dirty="0"/>
+            </a:br>
+            <a:r>
+              <a:rPr lang="de-CH" sz="2800" dirty="0">
+                <a:ln>
+                  <a:noFill/>
+                </a:ln>
+                <a:solidFill>
+                  <a:schemeClr val="tx1"/>
+                </a:solidFill>
+                <a:latin typeface="Segoe UI" panose="020B0502040204020203" pitchFamily="34" charset="0"/>
+                <a:hlinkClick r:id="rId5"/>
+              </a:rPr>
+              <a:t>aka.ms/TDCAPIM</a:t>
+            </a:r>
+            <a:br>
+              <a:rPr lang="de-CH" dirty="0"/>
+            </a:br>
+            <a:endParaRPr lang="de-CH" dirty="0"/>
+          </a:p>
+        </p:txBody>
+      </p:sp>
     </p:spTree>
     <p:extLst>
       <p:ext uri="{BB962C8B-B14F-4D97-AF65-F5344CB8AC3E}">
@@ -22738,30 +22558,54 @@
             <p:ph type="body" sz="quarter" idx="10"/>
           </p:nvPr>
         </p:nvSpPr>
-        <p:spPr/>
+        <p:spPr>
+          <a:xfrm>
+            <a:off x="586390" y="1434370"/>
+            <a:ext cx="11018520" cy="1982081"/>
+          </a:xfrm>
+        </p:spPr>
         <p:txBody>
           <a:bodyPr/>
           <a:lstStyle/>
           <a:p>
+            <a:pPr marL="457200" indent="-457200">
+              <a:buFont typeface="Arial" panose="020B0604020202020204" pitchFamily="34" charset="0"/>
+              <a:buChar char="•"/>
+            </a:pPr>
             <a:r>
-              <a:rPr lang="en-US"/>
-              <a:t>Main topic: Segoe UI Semilight, size 28pt</a:t>
+              <a:rPr lang="en-US" dirty="0"/>
+              <a:t>API Management, what does it solve ?</a:t>
             </a:r>
           </a:p>
           <a:p>
-            <a:pPr lvl="1"/>
+            <a:pPr marL="457200" indent="-457200">
+              <a:buFont typeface="Arial" panose="020B0604020202020204" pitchFamily="34" charset="0"/>
+              <a:buChar char="•"/>
+            </a:pPr>
             <a:r>
-              <a:rPr lang="en-US"/>
-              <a:t>Segoe UI, size 20pt for second level</a:t>
+              <a:rPr lang="en-US" dirty="0"/>
+              <a:t>Features overview</a:t>
             </a:r>
           </a:p>
           <a:p>
-            <a:pPr lvl="2"/>
+            <a:pPr marL="457200" indent="-457200">
+              <a:buFont typeface="Arial" panose="020B0604020202020204" pitchFamily="34" charset="0"/>
+              <a:buChar char="•"/>
+            </a:pPr>
             <a:r>
-              <a:rPr lang="en-US"/>
-              <a:t>Segoe UI, size 16pt for third level</a:t>
+              <a:rPr lang="en-US" dirty="0"/>
+              <a:t>Demo</a:t>
             </a:r>
-            <a:endParaRPr lang="en-US" dirty="0"/>
+          </a:p>
+          <a:p>
+            <a:pPr marL="457200" indent="-457200">
+              <a:buFont typeface="Arial" panose="020B0604020202020204" pitchFamily="34" charset="0"/>
+              <a:buChar char="•"/>
+            </a:pPr>
+            <a:r>
+              <a:rPr lang="en-US" dirty="0"/>
+              <a:t>Questions</a:t>
+            </a:r>
           </a:p>
         </p:txBody>
       </p:sp>
@@ -42008,112 +41852,7 @@
           <a:p>
             <a:r>
               <a:rPr lang="en-US" dirty="0"/>
-              <a:t>API Management</a:t>
-            </a:r>
-          </a:p>
-        </p:txBody>
-      </p:sp>
-      <p:pic>
-        <p:nvPicPr>
-          <p:cNvPr id="8" name="Picture 7">
-            <a:extLst>
-              <a:ext uri="{FF2B5EF4-FFF2-40B4-BE49-F238E27FC236}">
-                <a16:creationId xmlns:a16="http://schemas.microsoft.com/office/drawing/2014/main" id="{F308CE14-B414-4A89-975A-AC2FFB27A94B}"/>
-              </a:ext>
-            </a:extLst>
-          </p:cNvPr>
-          <p:cNvPicPr/>
-          <p:nvPr/>
-        </p:nvPicPr>
-        <p:blipFill>
-          <a:blip r:embed="rId3" cstate="screen">
-            <a:extLst>
-              <a:ext uri="{28A0092B-C50C-407E-A947-70E740481C1C}">
-                <a14:useLocalDpi xmlns:a14="http://schemas.microsoft.com/office/drawing/2010/main"/>
-              </a:ext>
-            </a:extLst>
-          </a:blip>
-          <a:stretch>
-            <a:fillRect/>
-          </a:stretch>
-        </p:blipFill>
-        <p:spPr>
-          <a:xfrm>
-            <a:off x="1447232" y="1035746"/>
-            <a:ext cx="9297536" cy="5568016"/>
-          </a:xfrm>
-          <a:prstGeom prst="rect">
-            <a:avLst/>
-          </a:prstGeom>
-          <a:ln w="3175">
-            <a:solidFill>
-              <a:schemeClr val="bg1">
-                <a:lumMod val="95000"/>
-              </a:schemeClr>
-            </a:solidFill>
-          </a:ln>
-        </p:spPr>
-      </p:pic>
-    </p:spTree>
-    <p:extLst>
-      <p:ext uri="{BB962C8B-B14F-4D97-AF65-F5344CB8AC3E}">
-        <p14:creationId xmlns:p14="http://schemas.microsoft.com/office/powerpoint/2010/main" val="2293142197"/>
-      </p:ext>
-    </p:extLst>
-  </p:cSld>
-  <p:clrMapOvr>
-    <a:masterClrMapping/>
-  </p:clrMapOvr>
-  <mc:AlternateContent xmlns:mc="http://schemas.openxmlformats.org/markup-compatibility/2006" xmlns:p14="http://schemas.microsoft.com/office/powerpoint/2010/main">
-    <mc:Choice Requires="p14">
-      <p:transition spd="med" p14:dur="700">
-        <p:fade/>
-      </p:transition>
-    </mc:Choice>
-    <mc:Fallback xmlns="">
-      <p:transition spd="med">
-        <p:fade/>
-      </p:transition>
-    </mc:Fallback>
-  </mc:AlternateContent>
-</p:sld>
-</file>
-
-<file path=ppt/slides/slide6.xml><?xml version="1.0" encoding="utf-8"?>
-<p:sld xmlns:a="http://schemas.openxmlformats.org/drawingml/2006/main" xmlns:r="http://schemas.openxmlformats.org/officeDocument/2006/relationships" xmlns:p="http://schemas.openxmlformats.org/presentationml/2006/main">
-  <p:cSld>
-    <p:spTree>
-      <p:nvGrpSpPr>
-        <p:cNvPr id="1" name=""/>
-        <p:cNvGrpSpPr/>
-        <p:nvPr/>
-      </p:nvGrpSpPr>
-      <p:grpSpPr>
-        <a:xfrm>
-          <a:off x="0" y="0"/>
-          <a:ext cx="0" cy="0"/>
-          <a:chOff x="0" y="0"/>
-          <a:chExt cx="0" cy="0"/>
-        </a:xfrm>
-      </p:grpSpPr>
-      <p:sp>
-        <p:nvSpPr>
-          <p:cNvPr id="17" name="Title 16"/>
-          <p:cNvSpPr>
-            <a:spLocks noGrp="1"/>
-          </p:cNvSpPr>
-          <p:nvPr>
-            <p:ph type="title"/>
-          </p:nvPr>
-        </p:nvSpPr>
-        <p:spPr/>
-        <p:txBody>
-          <a:bodyPr/>
-          <a:lstStyle/>
-          <a:p>
-            <a:r>
-              <a:rPr lang="en-US" dirty="0"/>
-              <a:t>Integration</a:t>
+              <a:t>Protocols and integration</a:t>
             </a:r>
           </a:p>
         </p:txBody>
@@ -42131,7 +41870,7 @@
         <p:spPr>
           <a:xfrm>
             <a:off x="584200" y="1435497"/>
-            <a:ext cx="5335833" cy="4493538"/>
+            <a:ext cx="5335833" cy="6340197"/>
           </a:xfrm>
         </p:spPr>
         <p:txBody>
@@ -42140,10 +41879,45 @@
           <a:p>
             <a:r>
               <a:rPr lang="en-US" dirty="0"/>
-              <a:t>SOAP / REST / …</a:t>
+              <a:t>API specifications</a:t>
             </a:r>
           </a:p>
           <a:p>
+            <a:pPr lvl="1"/>
+            <a:r>
+              <a:rPr lang="en-US" dirty="0"/>
+              <a:t>Import</a:t>
+            </a:r>
+          </a:p>
+          <a:p>
+            <a:pPr lvl="1"/>
+            <a:r>
+              <a:rPr lang="en-US" dirty="0"/>
+              <a:t>Create</a:t>
+            </a:r>
+          </a:p>
+          <a:p>
+            <a:pPr lvl="1"/>
+            <a:r>
+              <a:rPr lang="en-US" dirty="0"/>
+              <a:t>Open standards</a:t>
+            </a:r>
+          </a:p>
+          <a:p>
+            <a:r>
+              <a:rPr lang="en-US" dirty="0"/>
+              <a:t>Backend</a:t>
+            </a:r>
+          </a:p>
+          <a:p>
+            <a:pPr lvl="1"/>
+            <a:r>
+              <a:rPr lang="en-US" dirty="0"/>
+              <a:t>Hosted anywhere</a:t>
+            </a:r>
+          </a:p>
+          <a:p>
+            <a:pPr lvl="1"/>
             <a:r>
               <a:rPr lang="en-US" dirty="0" err="1"/>
               <a:t>Vnet</a:t>
@@ -42154,9 +41928,10 @@
             </a:r>
           </a:p>
           <a:p>
+            <a:pPr lvl="1"/>
             <a:r>
               <a:rPr lang="en-US" dirty="0"/>
-              <a:t>VPNs</a:t>
+              <a:t>Multiple backend</a:t>
             </a:r>
           </a:p>
           <a:p>
@@ -42202,32 +41977,43 @@
       </p:sp>
       <p:pic>
         <p:nvPicPr>
-          <p:cNvPr id="4" name="Picture 3">
+          <p:cNvPr id="7" name="Picture 6">
             <a:extLst>
               <a:ext uri="{FF2B5EF4-FFF2-40B4-BE49-F238E27FC236}">
-                <a16:creationId xmlns:a16="http://schemas.microsoft.com/office/drawing/2014/main" id="{A2D823DD-8D10-4BE2-9EFF-7433C1C92918}"/>
+                <a16:creationId xmlns:a16="http://schemas.microsoft.com/office/drawing/2014/main" id="{65126CFC-56B4-44D4-883A-0220092CD697}"/>
               </a:ext>
             </a:extLst>
           </p:cNvPr>
-          <p:cNvPicPr>
-            <a:picLocks noChangeAspect="1"/>
-          </p:cNvPicPr>
+          <p:cNvPicPr/>
           <p:nvPr/>
         </p:nvPicPr>
         <p:blipFill>
-          <a:blip r:embed="rId3"/>
+          <a:blip r:embed="rId3" cstate="screen">
+            <a:extLst>
+              <a:ext uri="{28A0092B-C50C-407E-A947-70E740481C1C}">
+                <a14:useLocalDpi xmlns:a14="http://schemas.microsoft.com/office/drawing/2010/main"/>
+              </a:ext>
+            </a:extLst>
+          </a:blip>
           <a:stretch>
             <a:fillRect/>
           </a:stretch>
         </p:blipFill>
         <p:spPr>
           <a:xfrm>
-            <a:off x="4587478" y="1435099"/>
-            <a:ext cx="7405177" cy="3987403"/>
+            <a:off x="4905148" y="1350235"/>
+            <a:ext cx="6993165" cy="4607015"/>
           </a:xfrm>
           <a:prstGeom prst="rect">
             <a:avLst/>
           </a:prstGeom>
+          <a:ln w="3175">
+            <a:solidFill>
+              <a:schemeClr val="bg1">
+                <a:lumMod val="95000"/>
+              </a:schemeClr>
+            </a:solidFill>
+          </a:ln>
         </p:spPr>
       </p:pic>
     </p:spTree>
@@ -42252,6 +42038,139 @@
       </p:transition>
     </mc:Fallback>
   </mc:AlternateContent>
+</p:sld>
+</file>
+
+<file path=ppt/slides/slide6.xml><?xml version="1.0" encoding="utf-8"?>
+<p:sld xmlns:a="http://schemas.openxmlformats.org/drawingml/2006/main" xmlns:r="http://schemas.openxmlformats.org/officeDocument/2006/relationships" xmlns:p="http://schemas.openxmlformats.org/presentationml/2006/main">
+  <p:cSld>
+    <p:spTree>
+      <p:nvGrpSpPr>
+        <p:cNvPr id="1" name=""/>
+        <p:cNvGrpSpPr/>
+        <p:nvPr/>
+      </p:nvGrpSpPr>
+      <p:grpSpPr>
+        <a:xfrm>
+          <a:off x="0" y="0"/>
+          <a:ext cx="0" cy="0"/>
+          <a:chOff x="0" y="0"/>
+          <a:chExt cx="0" cy="0"/>
+        </a:xfrm>
+      </p:grpSpPr>
+      <p:sp>
+        <p:nvSpPr>
+          <p:cNvPr id="2" name="Title 1">
+            <a:extLst>
+              <a:ext uri="{FF2B5EF4-FFF2-40B4-BE49-F238E27FC236}">
+                <a16:creationId xmlns:a16="http://schemas.microsoft.com/office/drawing/2014/main" id="{40A2224D-2AFB-4818-A639-C3019E442F2B}"/>
+              </a:ext>
+            </a:extLst>
+          </p:cNvPr>
+          <p:cNvSpPr>
+            <a:spLocks noGrp="1"/>
+          </p:cNvSpPr>
+          <p:nvPr>
+            <p:ph type="title"/>
+          </p:nvPr>
+        </p:nvSpPr>
+        <p:spPr/>
+        <p:txBody>
+          <a:bodyPr/>
+          <a:lstStyle/>
+          <a:p>
+            <a:r>
+              <a:rPr lang="en-US" dirty="0"/>
+              <a:t>Policies</a:t>
+            </a:r>
+            <a:endParaRPr lang="de-CH" dirty="0"/>
+          </a:p>
+        </p:txBody>
+      </p:sp>
+      <p:sp>
+        <p:nvSpPr>
+          <p:cNvPr id="3" name="Text Placeholder 2">
+            <a:extLst>
+              <a:ext uri="{FF2B5EF4-FFF2-40B4-BE49-F238E27FC236}">
+                <a16:creationId xmlns:a16="http://schemas.microsoft.com/office/drawing/2014/main" id="{7082147F-9921-4385-9CE3-E69911C7530D}"/>
+              </a:ext>
+            </a:extLst>
+          </p:cNvPr>
+          <p:cNvSpPr>
+            <a:spLocks noGrp="1"/>
+          </p:cNvSpPr>
+          <p:nvPr>
+            <p:ph type="body" sz="quarter" idx="10"/>
+          </p:nvPr>
+        </p:nvSpPr>
+        <p:spPr>
+          <a:xfrm>
+            <a:off x="584200" y="1435497"/>
+            <a:ext cx="7747950" cy="3385542"/>
+          </a:xfrm>
+        </p:spPr>
+        <p:txBody>
+          <a:bodyPr/>
+          <a:lstStyle/>
+          <a:p>
+            <a:r>
+              <a:rPr lang="en-US" dirty="0"/>
+              <a:t>Encapsulate common API management functions</a:t>
+            </a:r>
+          </a:p>
+          <a:p>
+            <a:pPr lvl="1"/>
+            <a:r>
+              <a:rPr lang="en-US" dirty="0"/>
+              <a:t>Access control, Protection, Transformation, Caching, …</a:t>
+            </a:r>
+          </a:p>
+          <a:p>
+            <a:r>
+              <a:rPr lang="en-US" dirty="0"/>
+              <a:t>Chained together in a pipeline</a:t>
+            </a:r>
+          </a:p>
+          <a:p>
+            <a:r>
+              <a:rPr lang="en-US" dirty="0"/>
+              <a:t>Mutate request or context or change API behavior</a:t>
+            </a:r>
+          </a:p>
+          <a:p>
+            <a:r>
+              <a:rPr lang="en-US" dirty="0"/>
+              <a:t>Set for inbound and outbound directions</a:t>
+            </a:r>
+          </a:p>
+          <a:p>
+            <a:r>
+              <a:rPr lang="en-US" dirty="0"/>
+              <a:t>Can be triggered on error</a:t>
+            </a:r>
+          </a:p>
+          <a:p>
+            <a:r>
+              <a:rPr lang="en-US" dirty="0"/>
+              <a:t>Applied at a variety of scope</a:t>
+            </a:r>
+            <a:endParaRPr lang="de-CH" dirty="0"/>
+          </a:p>
+        </p:txBody>
+      </p:sp>
+    </p:spTree>
+    <p:extLst>
+      <p:ext uri="{BB962C8B-B14F-4D97-AF65-F5344CB8AC3E}">
+        <p14:creationId xmlns:p14="http://schemas.microsoft.com/office/powerpoint/2010/main" val="730586587"/>
+      </p:ext>
+    </p:extLst>
+  </p:cSld>
+  <p:clrMapOvr>
+    <a:masterClrMapping/>
+  </p:clrMapOvr>
+  <p:transition>
+    <p:fade/>
+  </p:transition>
 </p:sld>
 </file>
 
@@ -42307,7 +42226,7 @@
         <p:spPr>
           <a:xfrm>
             <a:off x="584200" y="1435497"/>
-            <a:ext cx="5511800" cy="3742563"/>
+            <a:ext cx="5511800" cy="4185761"/>
           </a:xfrm>
         </p:spPr>
         <p:txBody>
@@ -42331,6 +42250,13 @@
             <a:r>
               <a:rPr lang="en-US" sz="2400" dirty="0"/>
               <a:t>Azure AD</a:t>
+            </a:r>
+          </a:p>
+          <a:p>
+            <a:pPr lvl="1"/>
+            <a:r>
+              <a:rPr lang="en-US" sz="2400" dirty="0"/>
+              <a:t>Azure AD B2C</a:t>
             </a:r>
           </a:p>
           <a:p>
@@ -43409,18 +43335,72 @@
             <p:ph type="title"/>
           </p:nvPr>
         </p:nvSpPr>
-        <p:spPr/>
+        <p:spPr>
+          <a:xfrm>
+            <a:off x="588263" y="457200"/>
+            <a:ext cx="11018520" cy="553998"/>
+          </a:xfrm>
+        </p:spPr>
         <p:txBody>
           <a:bodyPr/>
           <a:lstStyle/>
           <a:p>
             <a:r>
-              <a:rPr lang="en-US" dirty="0"/>
+              <a:rPr lang="en-US"/>
               <a:t>Performance and scalability</a:t>
             </a:r>
+            <a:endParaRPr lang="en-US" dirty="0"/>
           </a:p>
         </p:txBody>
       </p:sp>
+      <p:pic>
+        <p:nvPicPr>
+          <p:cNvPr id="1026" name="Picture 2" descr="Outline Map Of the World Pdf New World Map Outline Free Copy Free Printable World Map Tattoo Google">
+            <a:extLst>
+              <a:ext uri="{FF2B5EF4-FFF2-40B4-BE49-F238E27FC236}">
+                <a16:creationId xmlns:a16="http://schemas.microsoft.com/office/drawing/2014/main" id="{8A43132A-C223-4602-A8A1-EC1D4A84B4AF}"/>
+              </a:ext>
+            </a:extLst>
+          </p:cNvPr>
+          <p:cNvPicPr>
+            <a:picLocks noChangeAspect="1" noChangeArrowheads="1"/>
+          </p:cNvPicPr>
+          <p:nvPr/>
+        </p:nvPicPr>
+        <p:blipFill>
+          <a:blip r:embed="rId3">
+            <a:alphaModFix amt="5000"/>
+            <a:extLst>
+              <a:ext uri="{28A0092B-C50C-407E-A947-70E740481C1C}">
+                <a14:useLocalDpi xmlns:a14="http://schemas.microsoft.com/office/drawing/2010/main" val="0"/>
+              </a:ext>
+            </a:extLst>
+          </a:blip>
+          <a:srcRect/>
+          <a:stretch>
+            <a:fillRect/>
+          </a:stretch>
+        </p:blipFill>
+        <p:spPr bwMode="auto">
+          <a:xfrm>
+            <a:off x="2519439" y="1342266"/>
+            <a:ext cx="9089949" cy="4605338"/>
+          </a:xfrm>
+          <a:prstGeom prst="rect">
+            <a:avLst/>
+          </a:prstGeom>
+          <a:noFill/>
+          <a:extLst>
+            <a:ext uri="{909E8E84-426E-40DD-AFC4-6F175D3DCCD1}">
+              <a14:hiddenFill xmlns:a14="http://schemas.microsoft.com/office/drawing/2010/main">
+                <a:solidFill>
+                  <a:srgbClr val="FFFFFF"/>
+                </a:solidFill>
+              </a14:hiddenFill>
+            </a:ext>
+          </a:extLst>
+        </p:spPr>
+      </p:pic>
       <p:sp>
         <p:nvSpPr>
           <p:cNvPr id="4" name="Text Placeholder 5">
@@ -43438,7 +43418,7 @@
         <p:spPr>
           <a:xfrm>
             <a:off x="760167" y="1435100"/>
-            <a:ext cx="5335833" cy="4419671"/>
+            <a:ext cx="5335833" cy="3902607"/>
           </a:xfrm>
           <a:prstGeom prst="rect">
             <a:avLst/>
@@ -43679,13 +43659,7 @@
           <a:p>
             <a:r>
               <a:rPr lang="en-US" dirty="0"/>
-              <a:t>Caching</a:t>
-            </a:r>
-          </a:p>
-          <a:p>
-            <a:r>
-              <a:rPr lang="en-US" dirty="0"/>
-              <a:t>BYOK</a:t>
+              <a:t>Caching / Redis</a:t>
             </a:r>
           </a:p>
           <a:p>
@@ -44896,12 +44870,21 @@
 </file>
 
 <file path=customXml/item1.xml><?xml version="1.0" encoding="utf-8"?>
+<?mso-contentType ?>
+<FormTemplates xmlns="http://schemas.microsoft.com/sharepoint/v3/contenttype/forms">
+  <Display>DocumentLibraryForm</Display>
+  <Edit>DocumentLibraryForm</Edit>
+  <New>DocumentLibraryForm</New>
+</FormTemplates>
+</file>
+
+<file path=customXml/item2.xml><?xml version="1.0" encoding="utf-8"?>
 <p:properties xmlns:p="http://schemas.microsoft.com/office/2006/metadata/properties" xmlns:xsi="http://www.w3.org/2001/XMLSchema-instance" xmlns:pc="http://schemas.microsoft.com/office/infopath/2007/PartnerControls">
   <documentManagement/>
 </p:properties>
 </file>
 
-<file path=customXml/item2.xml><?xml version="1.0" encoding="utf-8"?>
+<file path=customXml/item3.xml><?xml version="1.0" encoding="utf-8"?>
 <ct:contentTypeSchema xmlns:ct="http://schemas.microsoft.com/office/2006/metadata/contentType" xmlns:ma="http://schemas.microsoft.com/office/2006/metadata/properties/metaAttributes" ct:_="" ma:_="" ma:contentTypeName="Document" ma:contentTypeID="0x010100A2B0BB5962AB3C45A9A1CE1EC4C4F647" ma:contentTypeVersion="3" ma:contentTypeDescription="Create a new document." ma:contentTypeScope="" ma:versionID="f0876370c90de824ab54c09b0bd2a056">
   <xsd:schema xmlns:xsd="http://www.w3.org/2001/XMLSchema" xmlns:xs="http://www.w3.org/2001/XMLSchema" xmlns:p="http://schemas.microsoft.com/office/2006/metadata/properties" xmlns:ns3="630a2e83-186a-4a0f-ab27-bee8a8096abc" targetNamespace="http://schemas.microsoft.com/office/2006/metadata/properties" ma:root="true" ma:fieldsID="a2a3b5ed8b4accd7c8a398d0cb075271" ns3:_="">
     <xsd:import namespace="630a2e83-186a-4a0f-ab27-bee8a8096abc"/>
@@ -45055,32 +45038,31 @@
 </ct:contentTypeSchema>
 </file>
 
-<file path=customXml/item3.xml><?xml version="1.0" encoding="utf-8"?>
-<?mso-contentType ?>
-<FormTemplates xmlns="http://schemas.microsoft.com/sharepoint/v3/contenttype/forms">
-  <Display>DocumentLibraryForm</Display>
-  <Edit>DocumentLibraryForm</Edit>
-  <New>DocumentLibraryForm</New>
-</FormTemplates>
-</file>
-
 <file path=customXml/itemProps1.xml><?xml version="1.0" encoding="utf-8"?>
-<ds:datastoreItem xmlns:ds="http://schemas.openxmlformats.org/officeDocument/2006/customXml" ds:itemID="{F990F116-B58F-4255-B05B-DA3808E0E5C6}">
+<ds:datastoreItem xmlns:ds="http://schemas.openxmlformats.org/officeDocument/2006/customXml" ds:itemID="{758FDAC0-319D-4A54-8D8E-1D42CB1F8004}">
   <ds:schemaRefs>
-    <ds:schemaRef ds:uri="http://purl.org/dc/elements/1.1/"/>
-    <ds:schemaRef ds:uri="http://schemas.microsoft.com/office/2006/metadata/properties"/>
-    <ds:schemaRef ds:uri="http://schemas.microsoft.com/office/2006/documentManagement/types"/>
-    <ds:schemaRef ds:uri="http://purl.org/dc/terms/"/>
-    <ds:schemaRef ds:uri="http://schemas.openxmlformats.org/package/2006/metadata/core-properties"/>
-    <ds:schemaRef ds:uri="630a2e83-186a-4a0f-ab27-bee8a8096abc"/>
-    <ds:schemaRef ds:uri="http://purl.org/dc/dcmitype/"/>
-    <ds:schemaRef ds:uri="http://schemas.microsoft.com/office/infopath/2007/PartnerControls"/>
-    <ds:schemaRef ds:uri="http://www.w3.org/XML/1998/namespace"/>
+    <ds:schemaRef ds:uri="http://schemas.microsoft.com/sharepoint/v3/contenttype/forms"/>
   </ds:schemaRefs>
 </ds:datastoreItem>
 </file>
 
 <file path=customXml/itemProps2.xml><?xml version="1.0" encoding="utf-8"?>
+<ds:datastoreItem xmlns:ds="http://schemas.openxmlformats.org/officeDocument/2006/customXml" ds:itemID="{F990F116-B58F-4255-B05B-DA3808E0E5C6}">
+  <ds:schemaRefs>
+    <ds:schemaRef ds:uri="http://purl.org/dc/elements/1.1/"/>
+    <ds:schemaRef ds:uri="http://schemas.microsoft.com/office/2006/metadata/properties"/>
+    <ds:schemaRef ds:uri="http://purl.org/dc/terms/"/>
+    <ds:schemaRef ds:uri="http://schemas.openxmlformats.org/package/2006/metadata/core-properties"/>
+    <ds:schemaRef ds:uri="http://schemas.microsoft.com/office/2006/documentManagement/types"/>
+    <ds:schemaRef ds:uri="http://schemas.microsoft.com/office/infopath/2007/PartnerControls"/>
+    <ds:schemaRef ds:uri="630a2e83-186a-4a0f-ab27-bee8a8096abc"/>
+    <ds:schemaRef ds:uri="http://www.w3.org/XML/1998/namespace"/>
+    <ds:schemaRef ds:uri="http://purl.org/dc/dcmitype/"/>
+  </ds:schemaRefs>
+</ds:datastoreItem>
+</file>
+
+<file path=customXml/itemProps3.xml><?xml version="1.0" encoding="utf-8"?>
 <ds:datastoreItem xmlns:ds="http://schemas.openxmlformats.org/officeDocument/2006/customXml" ds:itemID="{F330841A-A209-44E7-824E-9DDB4DE0DC3C}">
   <ds:schemaRefs>
     <ds:schemaRef ds:uri="http://schemas.microsoft.com/office/2006/metadata/contentType"/>
@@ -45096,12 +45078,4 @@
     <ds:schemaRef ds:uri="http://schemas.microsoft.com/internal/obd"/>
   </ds:schemaRefs>
 </ds:datastoreItem>
-</file>
-
-<file path=customXml/itemProps3.xml><?xml version="1.0" encoding="utf-8"?>
-<ds:datastoreItem xmlns:ds="http://schemas.openxmlformats.org/officeDocument/2006/customXml" ds:itemID="{758FDAC0-319D-4A54-8D8E-1D42CB1F8004}">
-  <ds:schemaRefs>
-    <ds:schemaRef ds:uri="http://schemas.microsoft.com/sharepoint/v3/contenttype/forms"/>
-  </ds:schemaRefs>
-</ds:datastoreItem>
 </file>